--- a/slides/triads-ris-workshop-day-3.pptx
+++ b/slides/triads-ris-workshop-day-3.pptx
@@ -5,7 +5,7 @@
     <p:sldMasterId id="2147483648" r:id="rId1"/>
   </p:sldMasterIdLst>
   <p:notesMasterIdLst>
-    <p:notesMasterId r:id="rId17"/>
+    <p:notesMasterId r:id="rId18"/>
   </p:notesMasterIdLst>
   <p:sldIdLst>
     <p:sldId id="256" r:id="rId2"/>
@@ -19,10 +19,11 @@
     <p:sldId id="320" r:id="rId10"/>
     <p:sldId id="314" r:id="rId11"/>
     <p:sldId id="323" r:id="rId12"/>
-    <p:sldId id="319" r:id="rId13"/>
-    <p:sldId id="322" r:id="rId14"/>
-    <p:sldId id="297" r:id="rId15"/>
-    <p:sldId id="294" r:id="rId16"/>
+    <p:sldId id="324" r:id="rId13"/>
+    <p:sldId id="319" r:id="rId14"/>
+    <p:sldId id="322" r:id="rId15"/>
+    <p:sldId id="297" r:id="rId16"/>
+    <p:sldId id="294" r:id="rId17"/>
   </p:sldIdLst>
   <p:sldSz cx="12192000" cy="6858000"/>
   <p:notesSz cx="6858000" cy="9144000"/>
@@ -211,7 +212,7 @@
           <a:p>
             <a:fld id="{0EB23CB4-0EBB-7E43-AEC8-D5ADDA650247}" type="datetimeFigureOut">
               <a:rPr lang="en-US" smtClean="0"/>
-              <a:t>11/7/24</a:t>
+              <a:t>11/8/24</a:t>
             </a:fld>
             <a:endParaRPr lang="en-US"/>
           </a:p>
@@ -562,6 +563,90 @@
 </p:notes>
 </file>
 
+<file path=ppt/notesSlides/notesSlide10.xml><?xml version="1.0" encoding="utf-8"?>
+<p:notes xmlns:a="http://schemas.openxmlformats.org/drawingml/2006/main" xmlns:r="http://schemas.openxmlformats.org/officeDocument/2006/relationships" xmlns:p="http://schemas.openxmlformats.org/presentationml/2006/main">
+  <p:cSld>
+    <p:spTree>
+      <p:nvGrpSpPr>
+        <p:cNvPr id="1" name=""/>
+        <p:cNvGrpSpPr/>
+        <p:nvPr/>
+      </p:nvGrpSpPr>
+      <p:grpSpPr>
+        <a:xfrm>
+          <a:off x="0" y="0"/>
+          <a:ext cx="0" cy="0"/>
+          <a:chOff x="0" y="0"/>
+          <a:chExt cx="0" cy="0"/>
+        </a:xfrm>
+      </p:grpSpPr>
+      <p:sp>
+        <p:nvSpPr>
+          <p:cNvPr id="2" name="Slide Image Placeholder 1"/>
+          <p:cNvSpPr>
+            <a:spLocks noGrp="1" noRot="1" noChangeAspect="1"/>
+          </p:cNvSpPr>
+          <p:nvPr>
+            <p:ph type="sldImg"/>
+          </p:nvPr>
+        </p:nvSpPr>
+        <p:spPr/>
+      </p:sp>
+      <p:sp>
+        <p:nvSpPr>
+          <p:cNvPr id="3" name="Notes Placeholder 2"/>
+          <p:cNvSpPr>
+            <a:spLocks noGrp="1"/>
+          </p:cNvSpPr>
+          <p:nvPr>
+            <p:ph type="body" idx="1"/>
+          </p:nvPr>
+        </p:nvSpPr>
+        <p:spPr/>
+        <p:txBody>
+          <a:bodyPr/>
+          <a:lstStyle/>
+          <a:p>
+            <a:endParaRPr lang="en-US" dirty="0"/>
+          </a:p>
+        </p:txBody>
+      </p:sp>
+      <p:sp>
+        <p:nvSpPr>
+          <p:cNvPr id="4" name="Slide Number Placeholder 3"/>
+          <p:cNvSpPr>
+            <a:spLocks noGrp="1"/>
+          </p:cNvSpPr>
+          <p:nvPr>
+            <p:ph type="sldNum" sz="quarter" idx="5"/>
+          </p:nvPr>
+        </p:nvSpPr>
+        <p:spPr/>
+        <p:txBody>
+          <a:bodyPr/>
+          <a:lstStyle/>
+          <a:p>
+            <a:fld id="{C2FD1589-7E77-6440-8706-C35CABE01F1C}" type="slidenum">
+              <a:rPr lang="en-US" smtClean="0"/>
+              <a:t>16</a:t>
+            </a:fld>
+            <a:endParaRPr lang="en-US"/>
+          </a:p>
+        </p:txBody>
+      </p:sp>
+    </p:spTree>
+    <p:extLst>
+      <p:ext uri="{BB962C8B-B14F-4D97-AF65-F5344CB8AC3E}">
+        <p14:creationId xmlns:p14="http://schemas.microsoft.com/office/powerpoint/2010/main" val="238004514"/>
+      </p:ext>
+    </p:extLst>
+  </p:cSld>
+  <p:clrMapOvr>
+    <a:masterClrMapping/>
+  </p:clrMapOvr>
+</p:notes>
+</file>
+
 <file path=ppt/notesSlides/notesSlide2.xml><?xml version="1.0" encoding="utf-8"?>
 <p:notes xmlns:a="http://schemas.openxmlformats.org/drawingml/2006/main" xmlns:r="http://schemas.openxmlformats.org/officeDocument/2006/relationships" xmlns:p="http://schemas.openxmlformats.org/presentationml/2006/main">
   <p:cSld>
@@ -1140,7 +1225,7 @@
     </p:spTree>
     <p:extLst>
       <p:ext uri="{BB962C8B-B14F-4D97-AF65-F5344CB8AC3E}">
-        <p14:creationId xmlns:p14="http://schemas.microsoft.com/office/powerpoint/2010/main" val="2955056501"/>
+        <p14:creationId xmlns:p14="http://schemas.microsoft.com/office/powerpoint/2010/main" val="3874051929"/>
       </p:ext>
     </p:extLst>
   </p:cSld>
@@ -1215,7 +1300,7 @@
           <a:p>
             <a:fld id="{C2FD1589-7E77-6440-8706-C35CABE01F1C}" type="slidenum">
               <a:rPr lang="en-US" smtClean="0"/>
-              <a:t>15</a:t>
+              <a:t>13</a:t>
             </a:fld>
             <a:endParaRPr lang="en-US"/>
           </a:p>
@@ -1224,7 +1309,7 @@
     </p:spTree>
     <p:extLst>
       <p:ext uri="{BB962C8B-B14F-4D97-AF65-F5344CB8AC3E}">
-        <p14:creationId xmlns:p14="http://schemas.microsoft.com/office/powerpoint/2010/main" val="238004514"/>
+        <p14:creationId xmlns:p14="http://schemas.microsoft.com/office/powerpoint/2010/main" val="2955056501"/>
       </p:ext>
     </p:extLst>
   </p:cSld>
@@ -1381,7 +1466,7 @@
           <a:p>
             <a:fld id="{2B281CE9-E0DF-2844-850D-DF93F0722CA0}" type="datetimeFigureOut">
               <a:rPr lang="en-US" smtClean="0"/>
-              <a:t>11/7/24</a:t>
+              <a:t>11/8/24</a:t>
             </a:fld>
             <a:endParaRPr lang="en-US"/>
           </a:p>
@@ -1579,7 +1664,7 @@
           <a:p>
             <a:fld id="{2B281CE9-E0DF-2844-850D-DF93F0722CA0}" type="datetimeFigureOut">
               <a:rPr lang="en-US" smtClean="0"/>
-              <a:t>11/7/24</a:t>
+              <a:t>11/8/24</a:t>
             </a:fld>
             <a:endParaRPr lang="en-US"/>
           </a:p>
@@ -1787,7 +1872,7 @@
           <a:p>
             <a:fld id="{2B281CE9-E0DF-2844-850D-DF93F0722CA0}" type="datetimeFigureOut">
               <a:rPr lang="en-US" smtClean="0"/>
-              <a:t>11/7/24</a:t>
+              <a:t>11/8/24</a:t>
             </a:fld>
             <a:endParaRPr lang="en-US"/>
           </a:p>
@@ -1985,7 +2070,7 @@
           <a:p>
             <a:fld id="{2B281CE9-E0DF-2844-850D-DF93F0722CA0}" type="datetimeFigureOut">
               <a:rPr lang="en-US" smtClean="0"/>
-              <a:t>11/7/24</a:t>
+              <a:t>11/8/24</a:t>
             </a:fld>
             <a:endParaRPr lang="en-US"/>
           </a:p>
@@ -2260,7 +2345,7 @@
           <a:p>
             <a:fld id="{2B281CE9-E0DF-2844-850D-DF93F0722CA0}" type="datetimeFigureOut">
               <a:rPr lang="en-US" smtClean="0"/>
-              <a:t>11/7/24</a:t>
+              <a:t>11/8/24</a:t>
             </a:fld>
             <a:endParaRPr lang="en-US"/>
           </a:p>
@@ -2525,7 +2610,7 @@
           <a:p>
             <a:fld id="{2B281CE9-E0DF-2844-850D-DF93F0722CA0}" type="datetimeFigureOut">
               <a:rPr lang="en-US" smtClean="0"/>
-              <a:t>11/7/24</a:t>
+              <a:t>11/8/24</a:t>
             </a:fld>
             <a:endParaRPr lang="en-US"/>
           </a:p>
@@ -2937,7 +3022,7 @@
           <a:p>
             <a:fld id="{2B281CE9-E0DF-2844-850D-DF93F0722CA0}" type="datetimeFigureOut">
               <a:rPr lang="en-US" smtClean="0"/>
-              <a:t>11/7/24</a:t>
+              <a:t>11/8/24</a:t>
             </a:fld>
             <a:endParaRPr lang="en-US"/>
           </a:p>
@@ -3078,7 +3163,7 @@
           <a:p>
             <a:fld id="{2B281CE9-E0DF-2844-850D-DF93F0722CA0}" type="datetimeFigureOut">
               <a:rPr lang="en-US" smtClean="0"/>
-              <a:t>11/7/24</a:t>
+              <a:t>11/8/24</a:t>
             </a:fld>
             <a:endParaRPr lang="en-US"/>
           </a:p>
@@ -3191,7 +3276,7 @@
           <a:p>
             <a:fld id="{2B281CE9-E0DF-2844-850D-DF93F0722CA0}" type="datetimeFigureOut">
               <a:rPr lang="en-US" smtClean="0"/>
-              <a:t>11/7/24</a:t>
+              <a:t>11/8/24</a:t>
             </a:fld>
             <a:endParaRPr lang="en-US"/>
           </a:p>
@@ -3502,7 +3587,7 @@
           <a:p>
             <a:fld id="{2B281CE9-E0DF-2844-850D-DF93F0722CA0}" type="datetimeFigureOut">
               <a:rPr lang="en-US" smtClean="0"/>
-              <a:t>11/7/24</a:t>
+              <a:t>11/8/24</a:t>
             </a:fld>
             <a:endParaRPr lang="en-US"/>
           </a:p>
@@ -3790,7 +3875,7 @@
           <a:p>
             <a:fld id="{2B281CE9-E0DF-2844-850D-DF93F0722CA0}" type="datetimeFigureOut">
               <a:rPr lang="en-US" smtClean="0"/>
-              <a:t>11/7/24</a:t>
+              <a:t>11/8/24</a:t>
             </a:fld>
             <a:endParaRPr lang="en-US"/>
           </a:p>
@@ -4031,7 +4116,7 @@
           <a:p>
             <a:fld id="{2B281CE9-E0DF-2844-850D-DF93F0722CA0}" type="datetimeFigureOut">
               <a:rPr lang="en-US" smtClean="0"/>
-              <a:t>11/7/24</a:t>
+              <a:t>11/8/24</a:t>
             </a:fld>
             <a:endParaRPr lang="en-US"/>
           </a:p>
@@ -4663,7 +4748,7 @@
           <a:p>
             <a:r>
               <a:rPr lang="en-US" dirty="0"/>
-              <a:t>Rename it to be “</a:t>
+              <a:t>Make sure it is named “</a:t>
             </a:r>
             <a:r>
               <a:rPr lang="en-US" dirty="0" err="1"/>
@@ -4672,6 +4757,20 @@
             <a:r>
               <a:rPr lang="en-US" dirty="0"/>
               <a:t>”</a:t>
+            </a:r>
+          </a:p>
+          <a:p>
+            <a:r>
+              <a:rPr lang="en-US" dirty="0"/>
+              <a:t>The repository has two </a:t>
+            </a:r>
+            <a:r>
+              <a:rPr lang="en-US" dirty="0" err="1"/>
+              <a:t>Dockerfiles</a:t>
+            </a:r>
+            <a:r>
+              <a:rPr lang="en-US" dirty="0"/>
+              <a:t>, one for Python and one for R. They are separated into two different folders so they don’t get mixed up.</a:t>
             </a:r>
           </a:p>
         </p:txBody>
@@ -4767,26 +4866,89 @@
             </a:r>
             <a:r>
               <a:rPr lang="en-US" dirty="0"/>
-              <a:t> command to build and tag and push the container image:</a:t>
-            </a:r>
-          </a:p>
-          <a:p>
-            <a:pPr lvl="1"/>
+              <a:t> command to build and tag and push the container image.</a:t>
+            </a:r>
+          </a:p>
+          <a:p>
             <a:r>
               <a:rPr lang="en-US" dirty="0" err="1"/>
               <a:t>bsub</a:t>
             </a:r>
             <a:r>
               <a:rPr lang="en-US" dirty="0"/>
-              <a:t> -G compute-</a:t>
+              <a:t> -G compute-workshop -q workshop</a:t>
+            </a:r>
+            <a:br>
+              <a:rPr lang="en-US" dirty="0"/>
+            </a:br>
+            <a:r>
+              <a:rPr lang="en-US" dirty="0"/>
+              <a:t> -a '</a:t>
             </a:r>
             <a:r>
               <a:rPr lang="en-US" dirty="0" err="1"/>
-              <a:t>artsci</a:t>
-            </a:r>
-            <a:r>
-              <a:rPr lang="en-US" dirty="0"/>
-              <a:t> -q general-interactive -Is</a:t>
+              <a:t>docker_build</a:t>
+            </a:r>
+            <a:r>
+              <a:rPr lang="en-US" dirty="0"/>
+              <a:t>(&lt;</a:t>
+            </a:r>
+            <a:r>
+              <a:rPr lang="en-US" dirty="0" err="1"/>
+              <a:t>dockerhub_username</a:t>
+            </a:r>
+            <a:r>
+              <a:rPr lang="en-US" dirty="0"/>
+              <a:t>&gt;/&lt;</a:t>
+            </a:r>
+            <a:r>
+              <a:rPr lang="en-US" dirty="0" err="1"/>
+              <a:t>name_of_container</a:t>
+            </a:r>
+            <a:r>
+              <a:rPr lang="en-US" dirty="0"/>
+              <a:t>&gt;:&lt;tag&gt;)’</a:t>
+            </a:r>
+            <a:br>
+              <a:rPr lang="en-US" dirty="0"/>
+            </a:br>
+            <a:r>
+              <a:rPr lang="en-US" dirty="0"/>
+              <a:t>-- --tag &lt;</a:t>
+            </a:r>
+            <a:r>
+              <a:rPr lang="en-US" dirty="0" err="1"/>
+              <a:t>dockerhub_username</a:t>
+            </a:r>
+            <a:r>
+              <a:rPr lang="en-US" dirty="0"/>
+              <a:t>&gt;/&lt;</a:t>
+            </a:r>
+            <a:r>
+              <a:rPr lang="en-US" dirty="0" err="1"/>
+              <a:t>name_of_container</a:t>
+            </a:r>
+            <a:r>
+              <a:rPr lang="en-US" dirty="0"/>
+              <a:t>&gt;:&lt;tag&gt; .</a:t>
+            </a:r>
+          </a:p>
+          <a:p>
+            <a:pPr lvl="1"/>
+            <a:r>
+              <a:rPr lang="en-US" dirty="0"/>
+              <a:t> This is what mine looks like:</a:t>
+            </a:r>
+          </a:p>
+          <a:p>
+            <a:pPr lvl="1"/>
+            <a:r>
+              <a:rPr lang="en-US" dirty="0" err="1"/>
+              <a:t>bsub</a:t>
+            </a:r>
+            <a:r>
+              <a:rPr lang="en-US" dirty="0"/>
+              <a:t> -G compute-workshop -q workshop</a:t>
             </a:r>
             <a:br>
               <a:rPr lang="en-US" dirty="0"/>
@@ -4880,7 +5042,7 @@
           <p:cNvPr id="2" name="Title 1">
             <a:extLst>
               <a:ext uri="{FF2B5EF4-FFF2-40B4-BE49-F238E27FC236}">
-                <a16:creationId xmlns:a16="http://schemas.microsoft.com/office/drawing/2014/main" id="{4F8A5147-5DC2-5A6A-7669-C42ED4F4CB08}"/>
+                <a16:creationId xmlns:a16="http://schemas.microsoft.com/office/drawing/2014/main" id="{C9659ABE-EADF-E1B0-311C-B0821A409993}"/>
               </a:ext>
             </a:extLst>
           </p:cNvPr>
@@ -4898,7 +5060,7 @@
           <a:p>
             <a:r>
               <a:rPr lang="en-US" dirty="0"/>
-              <a:t>Let’s log onto DockerHub!</a:t>
+              <a:t>Building on RIS</a:t>
             </a:r>
           </a:p>
         </p:txBody>
@@ -4908,7 +5070,7 @@
           <p:cNvPr id="3" name="Content Placeholder 2">
             <a:extLst>
               <a:ext uri="{FF2B5EF4-FFF2-40B4-BE49-F238E27FC236}">
-                <a16:creationId xmlns:a16="http://schemas.microsoft.com/office/drawing/2014/main" id="{E437350A-DCF6-056F-F346-E4F9FD57A8D3}"/>
+                <a16:creationId xmlns:a16="http://schemas.microsoft.com/office/drawing/2014/main" id="{DD2F82C6-3BF2-42B3-8F4C-E657699121C1}"/>
               </a:ext>
             </a:extLst>
           </p:cNvPr>
@@ -4921,44 +5083,70 @@
         </p:nvSpPr>
         <p:spPr/>
         <p:txBody>
-          <a:bodyPr/>
-          <a:lstStyle/>
-          <a:p>
-            <a:r>
-              <a:rPr lang="en-US" dirty="0">
-                <a:hlinkClick r:id="rId3"/>
-              </a:rPr>
-              <a:t>Http://hub.docker.com</a:t>
-            </a:r>
-            <a:r>
-              <a:rPr lang="en-US" dirty="0"/>
-              <a:t> </a:t>
-            </a:r>
-          </a:p>
-          <a:p>
-            <a:endParaRPr lang="en-US" dirty="0"/>
-          </a:p>
-          <a:p>
-            <a:r>
-              <a:rPr lang="en-US" dirty="0"/>
-              <a:t>You should see your new container image online</a:t>
-            </a:r>
-          </a:p>
-          <a:p>
-            <a:endParaRPr lang="en-US" dirty="0"/>
-          </a:p>
-          <a:p>
-            <a:r>
-              <a:rPr lang="en-US" dirty="0"/>
-              <a:t>Exercise – Run the basic-</a:t>
-            </a:r>
+          <a:bodyPr>
+            <a:normAutofit/>
+          </a:bodyPr>
+          <a:lstStyle/>
+          <a:p>
+            <a:r>
+              <a:rPr lang="en-US" dirty="0"/>
+              <a:t>Outside of the workshop, this is what my command looks like:</a:t>
+            </a:r>
+          </a:p>
+          <a:p>
             <a:r>
               <a:rPr lang="en-US" dirty="0" err="1"/>
-              <a:t>python.py</a:t>
-            </a:r>
-            <a:r>
-              <a:rPr lang="en-US" dirty="0"/>
-              <a:t> example with your new image</a:t>
+              <a:t>bsub</a:t>
+            </a:r>
+            <a:r>
+              <a:rPr lang="en-US" dirty="0"/>
+              <a:t> -G compute-</a:t>
+            </a:r>
+            <a:r>
+              <a:rPr lang="en-US" dirty="0" err="1"/>
+              <a:t>artsci</a:t>
+            </a:r>
+            <a:r>
+              <a:rPr lang="en-US" dirty="0"/>
+              <a:t> -q general-interactive -Is</a:t>
+            </a:r>
+            <a:br>
+              <a:rPr lang="en-US" dirty="0"/>
+            </a:br>
+            <a:r>
+              <a:rPr lang="en-US" dirty="0"/>
+              <a:t> -a '</a:t>
+            </a:r>
+            <a:r>
+              <a:rPr lang="en-US" dirty="0" err="1"/>
+              <a:t>docker_build</a:t>
+            </a:r>
+            <a:r>
+              <a:rPr lang="en-US" dirty="0"/>
+              <a:t>(</a:t>
+            </a:r>
+            <a:r>
+              <a:rPr lang="en-US" dirty="0" err="1"/>
+              <a:t>gregeporter</a:t>
+            </a:r>
+            <a:r>
+              <a:rPr lang="en-US" dirty="0"/>
+              <a:t>/</a:t>
+            </a:r>
+            <a:r>
+              <a:rPr lang="en-US" dirty="0" err="1"/>
+              <a:t>basic-python:latest</a:t>
+            </a:r>
+            <a:r>
+              <a:rPr lang="en-US" dirty="0"/>
+              <a:t>)’</a:t>
+            </a:r>
+            <a:br>
+              <a:rPr lang="en-US" dirty="0"/>
+            </a:br>
+            <a:r>
+              <a:rPr lang="en-US" dirty="0"/>
+              <a:t>-- --tag reporter/basic-python: latest .</a:t>
             </a:r>
           </a:p>
         </p:txBody>
@@ -4966,7 +5154,7 @@
     </p:spTree>
     <p:extLst>
       <p:ext uri="{BB962C8B-B14F-4D97-AF65-F5344CB8AC3E}">
-        <p14:creationId xmlns:p14="http://schemas.microsoft.com/office/powerpoint/2010/main" val="896403473"/>
+        <p14:creationId xmlns:p14="http://schemas.microsoft.com/office/powerpoint/2010/main" val="1780318596"/>
       </p:ext>
     </p:extLst>
   </p:cSld>
@@ -4998,7 +5186,7 @@
           <p:cNvPr id="2" name="Title 1">
             <a:extLst>
               <a:ext uri="{FF2B5EF4-FFF2-40B4-BE49-F238E27FC236}">
-                <a16:creationId xmlns:a16="http://schemas.microsoft.com/office/drawing/2014/main" id="{78EE93E2-F570-B08D-5DEE-3395A3715372}"/>
+                <a16:creationId xmlns:a16="http://schemas.microsoft.com/office/drawing/2014/main" id="{4F8A5147-5DC2-5A6A-7669-C42ED4F4CB08}"/>
               </a:ext>
             </a:extLst>
           </p:cNvPr>
@@ -5016,68 +5204,100 @@
           <a:p>
             <a:r>
               <a:rPr lang="en-US" dirty="0"/>
-              <a:t>More details about the </a:t>
+              <a:t>Let’s log onto DockerHub!</a:t>
+            </a:r>
+          </a:p>
+        </p:txBody>
+      </p:sp>
+      <p:sp>
+        <p:nvSpPr>
+          <p:cNvPr id="3" name="Content Placeholder 2">
+            <a:extLst>
+              <a:ext uri="{FF2B5EF4-FFF2-40B4-BE49-F238E27FC236}">
+                <a16:creationId xmlns:a16="http://schemas.microsoft.com/office/drawing/2014/main" id="{E437350A-DCF6-056F-F346-E4F9FD57A8D3}"/>
+              </a:ext>
+            </a:extLst>
+          </p:cNvPr>
+          <p:cNvSpPr>
+            <a:spLocks noGrp="1"/>
+          </p:cNvSpPr>
+          <p:nvPr>
+            <p:ph idx="1"/>
+          </p:nvPr>
+        </p:nvSpPr>
+        <p:spPr/>
+        <p:txBody>
+          <a:bodyPr/>
+          <a:lstStyle/>
+          <a:p>
+            <a:r>
+              <a:rPr lang="en-US" dirty="0">
+                <a:hlinkClick r:id="rId3"/>
+              </a:rPr>
+              <a:t>Http://hub.docker.com</a:t>
+            </a:r>
+            <a:r>
+              <a:rPr lang="en-US" dirty="0"/>
+              <a:t> </a:t>
+            </a:r>
+          </a:p>
+          <a:p>
+            <a:endParaRPr lang="en-US" dirty="0"/>
+          </a:p>
+          <a:p>
+            <a:r>
+              <a:rPr lang="en-US" dirty="0"/>
+              <a:t>You should see your new container image online</a:t>
+            </a:r>
+          </a:p>
+          <a:p>
+            <a:endParaRPr lang="en-US" dirty="0"/>
+          </a:p>
+          <a:p>
+            <a:r>
+              <a:rPr lang="en-US" dirty="0"/>
+              <a:t>Exercise – Run the basic-</a:t>
             </a:r>
             <a:r>
               <a:rPr lang="en-US" dirty="0" err="1"/>
-              <a:t>Dockerfile</a:t>
-            </a:r>
-            <a:endParaRPr lang="en-US" dirty="0"/>
-          </a:p>
-        </p:txBody>
-      </p:sp>
-      <p:sp>
-        <p:nvSpPr>
-          <p:cNvPr id="3" name="Content Placeholder 2">
-            <a:extLst>
-              <a:ext uri="{FF2B5EF4-FFF2-40B4-BE49-F238E27FC236}">
-                <a16:creationId xmlns:a16="http://schemas.microsoft.com/office/drawing/2014/main" id="{C27CE259-C285-F5E9-8844-A383B2563925}"/>
-              </a:ext>
-            </a:extLst>
-          </p:cNvPr>
-          <p:cNvSpPr>
-            <a:spLocks noGrp="1"/>
-          </p:cNvSpPr>
-          <p:nvPr>
-            <p:ph idx="1"/>
-          </p:nvPr>
-        </p:nvSpPr>
-        <p:spPr/>
-        <p:txBody>
-          <a:bodyPr/>
-          <a:lstStyle/>
-          <a:p>
-            <a:r>
-              <a:rPr lang="en-US" dirty="0"/>
-              <a:t>You can add all sorts of commands in the </a:t>
+              <a:t>python.py</a:t>
+            </a:r>
+            <a:r>
+              <a:rPr lang="en-US" dirty="0"/>
+              <a:t> example with your new image</a:t>
+            </a:r>
+          </a:p>
+          <a:p>
+            <a:pPr marL="0" indent="0">
+              <a:buNone/>
+            </a:pPr>
+            <a:r>
+              <a:rPr lang="en-US" dirty="0"/>
+              <a:t>(</a:t>
             </a:r>
             <a:r>
               <a:rPr lang="en-US" dirty="0" err="1"/>
-              <a:t>Dockerfile</a:t>
-            </a:r>
-            <a:endParaRPr lang="en-US" dirty="0"/>
-          </a:p>
-          <a:p>
-            <a:endParaRPr lang="en-US" dirty="0"/>
-          </a:p>
-          <a:p>
-            <a:r>
-              <a:rPr lang="en-US" dirty="0"/>
-              <a:t>You can also include additional code</a:t>
-            </a:r>
-          </a:p>
-          <a:p>
-            <a:pPr lvl="1"/>
-            <a:r>
-              <a:rPr lang="en-US" dirty="0"/>
-              <a:t>ADD . .</a:t>
-            </a:r>
-          </a:p>
-          <a:p>
-            <a:pPr lvl="1"/>
-            <a:r>
-              <a:rPr lang="en-US" dirty="0"/>
-              <a:t>Let’s try an example of that</a:t>
+              <a:t>gregeporter</a:t>
+            </a:r>
+            <a:r>
+              <a:rPr lang="en-US" dirty="0"/>
+              <a:t>/</a:t>
+            </a:r>
+            <a:r>
+              <a:rPr lang="en-US" dirty="0" err="1"/>
+              <a:t>basic-python:latest</a:t>
+            </a:r>
+            <a:r>
+              <a:rPr lang="en-US" dirty="0"/>
+              <a:t>) is what I point to in my </a:t>
+            </a:r>
+            <a:r>
+              <a:rPr lang="en-US" dirty="0" err="1"/>
+              <a:t>bsub</a:t>
+            </a:r>
+            <a:r>
+              <a:rPr lang="en-US" dirty="0"/>
+              <a:t> command.</a:t>
             </a:r>
           </a:p>
         </p:txBody>
@@ -5085,7 +5305,7 @@
     </p:spTree>
     <p:extLst>
       <p:ext uri="{BB962C8B-B14F-4D97-AF65-F5344CB8AC3E}">
-        <p14:creationId xmlns:p14="http://schemas.microsoft.com/office/powerpoint/2010/main" val="2367986090"/>
+        <p14:creationId xmlns:p14="http://schemas.microsoft.com/office/powerpoint/2010/main" val="896403473"/>
       </p:ext>
     </p:extLst>
   </p:cSld>
@@ -5117,6 +5337,125 @@
           <p:cNvPr id="2" name="Title 1">
             <a:extLst>
               <a:ext uri="{FF2B5EF4-FFF2-40B4-BE49-F238E27FC236}">
+                <a16:creationId xmlns:a16="http://schemas.microsoft.com/office/drawing/2014/main" id="{78EE93E2-F570-B08D-5DEE-3395A3715372}"/>
+              </a:ext>
+            </a:extLst>
+          </p:cNvPr>
+          <p:cNvSpPr>
+            <a:spLocks noGrp="1"/>
+          </p:cNvSpPr>
+          <p:nvPr>
+            <p:ph type="title"/>
+          </p:nvPr>
+        </p:nvSpPr>
+        <p:spPr/>
+        <p:txBody>
+          <a:bodyPr/>
+          <a:lstStyle/>
+          <a:p>
+            <a:r>
+              <a:rPr lang="en-US" dirty="0"/>
+              <a:t>More details about the </a:t>
+            </a:r>
+            <a:r>
+              <a:rPr lang="en-US" dirty="0" err="1"/>
+              <a:t>Dockerfile</a:t>
+            </a:r>
+            <a:endParaRPr lang="en-US" dirty="0"/>
+          </a:p>
+        </p:txBody>
+      </p:sp>
+      <p:sp>
+        <p:nvSpPr>
+          <p:cNvPr id="3" name="Content Placeholder 2">
+            <a:extLst>
+              <a:ext uri="{FF2B5EF4-FFF2-40B4-BE49-F238E27FC236}">
+                <a16:creationId xmlns:a16="http://schemas.microsoft.com/office/drawing/2014/main" id="{C27CE259-C285-F5E9-8844-A383B2563925}"/>
+              </a:ext>
+            </a:extLst>
+          </p:cNvPr>
+          <p:cNvSpPr>
+            <a:spLocks noGrp="1"/>
+          </p:cNvSpPr>
+          <p:nvPr>
+            <p:ph idx="1"/>
+          </p:nvPr>
+        </p:nvSpPr>
+        <p:spPr/>
+        <p:txBody>
+          <a:bodyPr/>
+          <a:lstStyle/>
+          <a:p>
+            <a:r>
+              <a:rPr lang="en-US" dirty="0"/>
+              <a:t>You can add all sorts of commands in the </a:t>
+            </a:r>
+            <a:r>
+              <a:rPr lang="en-US" dirty="0" err="1"/>
+              <a:t>Dockerfile</a:t>
+            </a:r>
+            <a:endParaRPr lang="en-US" dirty="0"/>
+          </a:p>
+          <a:p>
+            <a:endParaRPr lang="en-US" dirty="0"/>
+          </a:p>
+          <a:p>
+            <a:r>
+              <a:rPr lang="en-US" dirty="0"/>
+              <a:t>You can also include additional code</a:t>
+            </a:r>
+          </a:p>
+          <a:p>
+            <a:pPr lvl="1"/>
+            <a:r>
+              <a:rPr lang="en-US" dirty="0"/>
+              <a:t>ADD . .</a:t>
+            </a:r>
+          </a:p>
+          <a:p>
+            <a:pPr lvl="1"/>
+            <a:r>
+              <a:rPr lang="en-US" dirty="0"/>
+              <a:t>Let’s try an example of that</a:t>
+            </a:r>
+          </a:p>
+        </p:txBody>
+      </p:sp>
+    </p:spTree>
+    <p:extLst>
+      <p:ext uri="{BB962C8B-B14F-4D97-AF65-F5344CB8AC3E}">
+        <p14:creationId xmlns:p14="http://schemas.microsoft.com/office/powerpoint/2010/main" val="2367986090"/>
+      </p:ext>
+    </p:extLst>
+  </p:cSld>
+  <p:clrMapOvr>
+    <a:masterClrMapping/>
+  </p:clrMapOvr>
+</p:sld>
+</file>
+
+<file path=ppt/slides/slide15.xml><?xml version="1.0" encoding="utf-8"?>
+<p:sld xmlns:a="http://schemas.openxmlformats.org/drawingml/2006/main" xmlns:r="http://schemas.openxmlformats.org/officeDocument/2006/relationships" xmlns:p="http://schemas.openxmlformats.org/presentationml/2006/main">
+  <p:cSld>
+    <p:spTree>
+      <p:nvGrpSpPr>
+        <p:cNvPr id="1" name=""/>
+        <p:cNvGrpSpPr/>
+        <p:nvPr/>
+      </p:nvGrpSpPr>
+      <p:grpSpPr>
+        <a:xfrm>
+          <a:off x="0" y="0"/>
+          <a:ext cx="0" cy="0"/>
+          <a:chOff x="0" y="0"/>
+          <a:chExt cx="0" cy="0"/>
+        </a:xfrm>
+      </p:grpSpPr>
+      <p:sp>
+        <p:nvSpPr>
+          <p:cNvPr id="2" name="Title 1">
+            <a:extLst>
+              <a:ext uri="{FF2B5EF4-FFF2-40B4-BE49-F238E27FC236}">
                 <a16:creationId xmlns:a16="http://schemas.microsoft.com/office/drawing/2014/main" id="{0BA656BF-8100-F11D-1A69-A830A4576E47}"/>
               </a:ext>
             </a:extLst>
@@ -5198,7 +5537,7 @@
 </p:sld>
 </file>
 
-<file path=ppt/slides/slide15.xml><?xml version="1.0" encoding="utf-8"?>
+<file path=ppt/slides/slide16.xml><?xml version="1.0" encoding="utf-8"?>
 <p:sld xmlns:a="http://schemas.openxmlformats.org/drawingml/2006/main" xmlns:r="http://schemas.openxmlformats.org/officeDocument/2006/relationships" xmlns:p="http://schemas.openxmlformats.org/presentationml/2006/main">
   <p:cSld>
     <p:spTree>
@@ -6650,13 +6989,7 @@
               <a:rPr lang="en-US" dirty="0">
                 <a:hlinkClick r:id="rId3"/>
               </a:rPr>
-              <a:t>R </a:t>
-            </a:r>
-            <a:r>
-              <a:rPr lang="en-US" dirty="0" err="1">
-                <a:hlinkClick r:id="rId3"/>
-              </a:rPr>
-              <a:t>Dockerfile</a:t>
+              <a:t>R Dockerfile</a:t>
             </a:r>
             <a:endParaRPr lang="en-US" dirty="0"/>
           </a:p>

--- a/slides/triads-ris-workshop-day-3.pptx
+++ b/slides/triads-ris-workshop-day-3.pptx
@@ -5,7 +5,7 @@
     <p:sldMasterId id="2147483648" r:id="rId1"/>
   </p:sldMasterIdLst>
   <p:notesMasterIdLst>
-    <p:notesMasterId r:id="rId18"/>
+    <p:notesMasterId r:id="rId21"/>
   </p:notesMasterIdLst>
   <p:sldIdLst>
     <p:sldId id="256" r:id="rId2"/>
@@ -22,8 +22,11 @@
     <p:sldId id="324" r:id="rId13"/>
     <p:sldId id="319" r:id="rId14"/>
     <p:sldId id="322" r:id="rId15"/>
-    <p:sldId id="297" r:id="rId16"/>
-    <p:sldId id="294" r:id="rId17"/>
+    <p:sldId id="326" r:id="rId16"/>
+    <p:sldId id="325" r:id="rId17"/>
+    <p:sldId id="327" r:id="rId18"/>
+    <p:sldId id="297" r:id="rId19"/>
+    <p:sldId id="294" r:id="rId20"/>
   </p:sldIdLst>
   <p:sldSz cx="12192000" cy="6858000"/>
   <p:notesSz cx="6858000" cy="9144000"/>
@@ -628,7 +631,7 @@
           <a:p>
             <a:fld id="{C2FD1589-7E77-6440-8706-C35CABE01F1C}" type="slidenum">
               <a:rPr lang="en-US" smtClean="0"/>
-              <a:t>16</a:t>
+              <a:t>19</a:t>
             </a:fld>
             <a:endParaRPr lang="en-US"/>
           </a:p>
@@ -5409,15 +5412,36 @@
             <a:pPr lvl="1"/>
             <a:r>
               <a:rPr lang="en-US" dirty="0"/>
-              <a:t>ADD . .</a:t>
+              <a:t>COPY * .</a:t>
             </a:r>
           </a:p>
           <a:p>
             <a:pPr lvl="1"/>
             <a:r>
               <a:rPr lang="en-US" dirty="0"/>
-              <a:t>Let’s try an example of that</a:t>
-            </a:r>
+              <a:t>ADD https://</a:t>
+            </a:r>
+            <a:r>
+              <a:rPr lang="en-US" dirty="0" err="1"/>
+              <a:t>github.com</a:t>
+            </a:r>
+            <a:r>
+              <a:rPr lang="en-US" dirty="0"/>
+              <a:t>/</a:t>
+            </a:r>
+            <a:r>
+              <a:rPr lang="en-US" dirty="0" err="1"/>
+              <a:t>GregePorter</a:t>
+            </a:r>
+            <a:r>
+              <a:rPr lang="en-US" dirty="0"/>
+              <a:t>/RIS-</a:t>
+            </a:r>
+            <a:r>
+              <a:rPr lang="en-US" dirty="0" err="1"/>
+              <a:t>quickstart.git</a:t>
+            </a:r>
+            <a:endParaRPr lang="en-US" dirty="0"/>
           </a:p>
         </p:txBody>
       </p:sp>
@@ -5456,6 +5480,331 @@
           <p:cNvPr id="2" name="Title 1">
             <a:extLst>
               <a:ext uri="{FF2B5EF4-FFF2-40B4-BE49-F238E27FC236}">
+                <a16:creationId xmlns:a16="http://schemas.microsoft.com/office/drawing/2014/main" id="{78EE93E2-F570-B08D-5DEE-3395A3715372}"/>
+              </a:ext>
+            </a:extLst>
+          </p:cNvPr>
+          <p:cNvSpPr>
+            <a:spLocks noGrp="1"/>
+          </p:cNvSpPr>
+          <p:nvPr>
+            <p:ph type="title"/>
+          </p:nvPr>
+        </p:nvSpPr>
+        <p:spPr/>
+        <p:txBody>
+          <a:bodyPr/>
+          <a:lstStyle/>
+          <a:p>
+            <a:r>
+              <a:rPr lang="en-US" dirty="0"/>
+              <a:t>More details about the </a:t>
+            </a:r>
+            <a:r>
+              <a:rPr lang="en-US" dirty="0" err="1"/>
+              <a:t>Dockerfile</a:t>
+            </a:r>
+            <a:endParaRPr lang="en-US" dirty="0"/>
+          </a:p>
+        </p:txBody>
+      </p:sp>
+      <p:sp>
+        <p:nvSpPr>
+          <p:cNvPr id="3" name="Content Placeholder 2">
+            <a:extLst>
+              <a:ext uri="{FF2B5EF4-FFF2-40B4-BE49-F238E27FC236}">
+                <a16:creationId xmlns:a16="http://schemas.microsoft.com/office/drawing/2014/main" id="{C27CE259-C285-F5E9-8844-A383B2563925}"/>
+              </a:ext>
+            </a:extLst>
+          </p:cNvPr>
+          <p:cNvSpPr>
+            <a:spLocks noGrp="1"/>
+          </p:cNvSpPr>
+          <p:nvPr>
+            <p:ph idx="1"/>
+          </p:nvPr>
+        </p:nvSpPr>
+        <p:spPr/>
+        <p:txBody>
+          <a:bodyPr/>
+          <a:lstStyle/>
+          <a:p>
+            <a:r>
+              <a:rPr lang="en-US" dirty="0"/>
+              <a:t>COPY --</a:t>
+            </a:r>
+            <a:r>
+              <a:rPr lang="en-US" dirty="0" err="1"/>
+              <a:t>chmod</a:t>
+            </a:r>
+            <a:r>
+              <a:rPr lang="en-US" dirty="0"/>
+              <a:t>=775 * .</a:t>
+            </a:r>
+          </a:p>
+          <a:p>
+            <a:endParaRPr lang="en-US" dirty="0"/>
+          </a:p>
+          <a:p>
+            <a:r>
+              <a:rPr lang="en-US" dirty="0"/>
+              <a:t>This will copy the contents of the current directory into the root of the container (with the correct permissions)</a:t>
+            </a:r>
+          </a:p>
+        </p:txBody>
+      </p:sp>
+    </p:spTree>
+    <p:extLst>
+      <p:ext uri="{BB962C8B-B14F-4D97-AF65-F5344CB8AC3E}">
+        <p14:creationId xmlns:p14="http://schemas.microsoft.com/office/powerpoint/2010/main" val="381291873"/>
+      </p:ext>
+    </p:extLst>
+  </p:cSld>
+  <p:clrMapOvr>
+    <a:masterClrMapping/>
+  </p:clrMapOvr>
+</p:sld>
+</file>
+
+<file path=ppt/slides/slide16.xml><?xml version="1.0" encoding="utf-8"?>
+<p:sld xmlns:a="http://schemas.openxmlformats.org/drawingml/2006/main" xmlns:r="http://schemas.openxmlformats.org/officeDocument/2006/relationships" xmlns:p="http://schemas.openxmlformats.org/presentationml/2006/main">
+  <p:cSld>
+    <p:spTree>
+      <p:nvGrpSpPr>
+        <p:cNvPr id="1" name=""/>
+        <p:cNvGrpSpPr/>
+        <p:nvPr/>
+      </p:nvGrpSpPr>
+      <p:grpSpPr>
+        <a:xfrm>
+          <a:off x="0" y="0"/>
+          <a:ext cx="0" cy="0"/>
+          <a:chOff x="0" y="0"/>
+          <a:chExt cx="0" cy="0"/>
+        </a:xfrm>
+      </p:grpSpPr>
+      <p:sp>
+        <p:nvSpPr>
+          <p:cNvPr id="2" name="Title 1">
+            <a:extLst>
+              <a:ext uri="{FF2B5EF4-FFF2-40B4-BE49-F238E27FC236}">
+                <a16:creationId xmlns:a16="http://schemas.microsoft.com/office/drawing/2014/main" id="{78EE93E2-F570-B08D-5DEE-3395A3715372}"/>
+              </a:ext>
+            </a:extLst>
+          </p:cNvPr>
+          <p:cNvSpPr>
+            <a:spLocks noGrp="1"/>
+          </p:cNvSpPr>
+          <p:nvPr>
+            <p:ph type="title"/>
+          </p:nvPr>
+        </p:nvSpPr>
+        <p:spPr/>
+        <p:txBody>
+          <a:bodyPr/>
+          <a:lstStyle/>
+          <a:p>
+            <a:r>
+              <a:rPr lang="en-US" dirty="0"/>
+              <a:t>More details about the </a:t>
+            </a:r>
+            <a:r>
+              <a:rPr lang="en-US" dirty="0" err="1"/>
+              <a:t>Dockerfile</a:t>
+            </a:r>
+            <a:endParaRPr lang="en-US" dirty="0"/>
+          </a:p>
+        </p:txBody>
+      </p:sp>
+      <p:sp>
+        <p:nvSpPr>
+          <p:cNvPr id="3" name="Content Placeholder 2">
+            <a:extLst>
+              <a:ext uri="{FF2B5EF4-FFF2-40B4-BE49-F238E27FC236}">
+                <a16:creationId xmlns:a16="http://schemas.microsoft.com/office/drawing/2014/main" id="{C27CE259-C285-F5E9-8844-A383B2563925}"/>
+              </a:ext>
+            </a:extLst>
+          </p:cNvPr>
+          <p:cNvSpPr>
+            <a:spLocks noGrp="1"/>
+          </p:cNvSpPr>
+          <p:nvPr>
+            <p:ph idx="1"/>
+          </p:nvPr>
+        </p:nvSpPr>
+        <p:spPr/>
+        <p:txBody>
+          <a:bodyPr/>
+          <a:lstStyle/>
+          <a:p>
+            <a:r>
+              <a:rPr lang="en-US" dirty="0"/>
+              <a:t>ADD </a:t>
+            </a:r>
+            <a:r>
+              <a:rPr lang="en-US" dirty="0">
+                <a:hlinkClick r:id="rId2"/>
+              </a:rPr>
+              <a:t>https://github.com/GregePorter/RIS-quickstart.git</a:t>
+            </a:r>
+            <a:r>
+              <a:rPr lang="en-US" dirty="0"/>
+              <a:t> .</a:t>
+            </a:r>
+          </a:p>
+          <a:p>
+            <a:r>
+              <a:rPr lang="en-US" dirty="0"/>
+              <a:t>This will clone the given repo and put it in the root of the container</a:t>
+            </a:r>
+          </a:p>
+        </p:txBody>
+      </p:sp>
+    </p:spTree>
+    <p:extLst>
+      <p:ext uri="{BB962C8B-B14F-4D97-AF65-F5344CB8AC3E}">
+        <p14:creationId xmlns:p14="http://schemas.microsoft.com/office/powerpoint/2010/main" val="3301002617"/>
+      </p:ext>
+    </p:extLst>
+  </p:cSld>
+  <p:clrMapOvr>
+    <a:masterClrMapping/>
+  </p:clrMapOvr>
+</p:sld>
+</file>
+
+<file path=ppt/slides/slide17.xml><?xml version="1.0" encoding="utf-8"?>
+<p:sld xmlns:a="http://schemas.openxmlformats.org/drawingml/2006/main" xmlns:r="http://schemas.openxmlformats.org/officeDocument/2006/relationships" xmlns:p="http://schemas.openxmlformats.org/presentationml/2006/main">
+  <p:cSld>
+    <p:spTree>
+      <p:nvGrpSpPr>
+        <p:cNvPr id="1" name=""/>
+        <p:cNvGrpSpPr/>
+        <p:nvPr/>
+      </p:nvGrpSpPr>
+      <p:grpSpPr>
+        <a:xfrm>
+          <a:off x="0" y="0"/>
+          <a:ext cx="0" cy="0"/>
+          <a:chOff x="0" y="0"/>
+          <a:chExt cx="0" cy="0"/>
+        </a:xfrm>
+      </p:grpSpPr>
+      <p:sp>
+        <p:nvSpPr>
+          <p:cNvPr id="2" name="Title 1">
+            <a:extLst>
+              <a:ext uri="{FF2B5EF4-FFF2-40B4-BE49-F238E27FC236}">
+                <a16:creationId xmlns:a16="http://schemas.microsoft.com/office/drawing/2014/main" id="{78EE93E2-F570-B08D-5DEE-3395A3715372}"/>
+              </a:ext>
+            </a:extLst>
+          </p:cNvPr>
+          <p:cNvSpPr>
+            <a:spLocks noGrp="1"/>
+          </p:cNvSpPr>
+          <p:nvPr>
+            <p:ph type="title"/>
+          </p:nvPr>
+        </p:nvSpPr>
+        <p:spPr/>
+        <p:txBody>
+          <a:bodyPr/>
+          <a:lstStyle/>
+          <a:p>
+            <a:r>
+              <a:rPr lang="en-US" dirty="0"/>
+              <a:t>More details about the </a:t>
+            </a:r>
+            <a:r>
+              <a:rPr lang="en-US" dirty="0" err="1"/>
+              <a:t>Dockerfile</a:t>
+            </a:r>
+            <a:endParaRPr lang="en-US" dirty="0"/>
+          </a:p>
+        </p:txBody>
+      </p:sp>
+      <p:sp>
+        <p:nvSpPr>
+          <p:cNvPr id="3" name="Content Placeholder 2">
+            <a:extLst>
+              <a:ext uri="{FF2B5EF4-FFF2-40B4-BE49-F238E27FC236}">
+                <a16:creationId xmlns:a16="http://schemas.microsoft.com/office/drawing/2014/main" id="{C27CE259-C285-F5E9-8844-A383B2563925}"/>
+              </a:ext>
+            </a:extLst>
+          </p:cNvPr>
+          <p:cNvSpPr>
+            <a:spLocks noGrp="1"/>
+          </p:cNvSpPr>
+          <p:nvPr>
+            <p:ph idx="1"/>
+          </p:nvPr>
+        </p:nvSpPr>
+        <p:spPr/>
+        <p:txBody>
+          <a:bodyPr/>
+          <a:lstStyle/>
+          <a:p>
+            <a:r>
+              <a:rPr lang="en-US" dirty="0"/>
+              <a:t>RUN ./</a:t>
+            </a:r>
+            <a:r>
+              <a:rPr lang="en-US" dirty="0" err="1"/>
+              <a:t>run_python.sh</a:t>
+            </a:r>
+            <a:endParaRPr lang="en-US" dirty="0"/>
+          </a:p>
+          <a:p>
+            <a:endParaRPr lang="en-US" dirty="0"/>
+          </a:p>
+          <a:p>
+            <a:r>
+              <a:rPr lang="en-US" dirty="0"/>
+              <a:t>This will run the above script (which is in the root of the container) </a:t>
+            </a:r>
+            <a:r>
+              <a:rPr lang="en-US" b="1" dirty="0"/>
+              <a:t>when the container is being built</a:t>
+            </a:r>
+            <a:endParaRPr lang="en-US" dirty="0"/>
+          </a:p>
+        </p:txBody>
+      </p:sp>
+    </p:spTree>
+    <p:extLst>
+      <p:ext uri="{BB962C8B-B14F-4D97-AF65-F5344CB8AC3E}">
+        <p14:creationId xmlns:p14="http://schemas.microsoft.com/office/powerpoint/2010/main" val="3606253169"/>
+      </p:ext>
+    </p:extLst>
+  </p:cSld>
+  <p:clrMapOvr>
+    <a:masterClrMapping/>
+  </p:clrMapOvr>
+</p:sld>
+</file>
+
+<file path=ppt/slides/slide18.xml><?xml version="1.0" encoding="utf-8"?>
+<p:sld xmlns:a="http://schemas.openxmlformats.org/drawingml/2006/main" xmlns:r="http://schemas.openxmlformats.org/officeDocument/2006/relationships" xmlns:p="http://schemas.openxmlformats.org/presentationml/2006/main">
+  <p:cSld>
+    <p:spTree>
+      <p:nvGrpSpPr>
+        <p:cNvPr id="1" name=""/>
+        <p:cNvGrpSpPr/>
+        <p:nvPr/>
+      </p:nvGrpSpPr>
+      <p:grpSpPr>
+        <a:xfrm>
+          <a:off x="0" y="0"/>
+          <a:ext cx="0" cy="0"/>
+          <a:chOff x="0" y="0"/>
+          <a:chExt cx="0" cy="0"/>
+        </a:xfrm>
+      </p:grpSpPr>
+      <p:sp>
+        <p:nvSpPr>
+          <p:cNvPr id="2" name="Title 1">
+            <a:extLst>
+              <a:ext uri="{FF2B5EF4-FFF2-40B4-BE49-F238E27FC236}">
                 <a16:creationId xmlns:a16="http://schemas.microsoft.com/office/drawing/2014/main" id="{0BA656BF-8100-F11D-1A69-A830A4576E47}"/>
               </a:ext>
             </a:extLst>
@@ -5537,7 +5886,7 @@
 </p:sld>
 </file>
 
-<file path=ppt/slides/slide16.xml><?xml version="1.0" encoding="utf-8"?>
+<file path=ppt/slides/slide19.xml><?xml version="1.0" encoding="utf-8"?>
 <p:sld xmlns:a="http://schemas.openxmlformats.org/drawingml/2006/main" xmlns:r="http://schemas.openxmlformats.org/officeDocument/2006/relationships" xmlns:p="http://schemas.openxmlformats.org/presentationml/2006/main">
   <p:cSld>
     <p:spTree>

--- a/slides/triads-ris-workshop-day-3.pptx
+++ b/slides/triads-ris-workshop-day-3.pptx
@@ -5,7 +5,7 @@
     <p:sldMasterId id="2147483648" r:id="rId1"/>
   </p:sldMasterIdLst>
   <p:notesMasterIdLst>
-    <p:notesMasterId r:id="rId21"/>
+    <p:notesMasterId r:id="rId22"/>
   </p:notesMasterIdLst>
   <p:sldIdLst>
     <p:sldId id="256" r:id="rId2"/>
@@ -25,8 +25,9 @@
     <p:sldId id="326" r:id="rId16"/>
     <p:sldId id="325" r:id="rId17"/>
     <p:sldId id="327" r:id="rId18"/>
-    <p:sldId id="297" r:id="rId19"/>
-    <p:sldId id="294" r:id="rId20"/>
+    <p:sldId id="328" r:id="rId19"/>
+    <p:sldId id="297" r:id="rId20"/>
+    <p:sldId id="294" r:id="rId21"/>
   </p:sldIdLst>
   <p:sldSz cx="12192000" cy="6858000"/>
   <p:notesSz cx="6858000" cy="9144000"/>
@@ -631,7 +632,7 @@
           <a:p>
             <a:fld id="{C2FD1589-7E77-6440-8706-C35CABE01F1C}" type="slidenum">
               <a:rPr lang="en-US" smtClean="0"/>
-              <a:t>19</a:t>
+              <a:t>20</a:t>
             </a:fld>
             <a:endParaRPr lang="en-US"/>
           </a:p>
@@ -5250,57 +5251,21 @@
           <a:p>
             <a:r>
               <a:rPr lang="en-US" dirty="0"/>
-              <a:t>You should see your new container image online</a:t>
-            </a:r>
-          </a:p>
-          <a:p>
-            <a:endParaRPr lang="en-US" dirty="0"/>
-          </a:p>
-          <a:p>
-            <a:r>
-              <a:rPr lang="en-US" dirty="0"/>
-              <a:t>Exercise – Run the basic-</a:t>
+              <a:t>You should see your new container in your repositories (and we’ll see what it looks like with different tags)</a:t>
+            </a:r>
+          </a:p>
+          <a:p>
+            <a:r>
+              <a:rPr lang="en-US" dirty="0"/>
+              <a:t>Clicking on a specific tag will allow you to look at the </a:t>
             </a:r>
             <a:r>
               <a:rPr lang="en-US" dirty="0" err="1"/>
-              <a:t>python.py</a:t>
-            </a:r>
-            <a:r>
-              <a:rPr lang="en-US" dirty="0"/>
-              <a:t> example with your new image</a:t>
-            </a:r>
-          </a:p>
-          <a:p>
-            <a:pPr marL="0" indent="0">
-              <a:buNone/>
-            </a:pPr>
-            <a:r>
-              <a:rPr lang="en-US" dirty="0"/>
-              <a:t>(</a:t>
-            </a:r>
-            <a:r>
-              <a:rPr lang="en-US" dirty="0" err="1"/>
-              <a:t>gregeporter</a:t>
-            </a:r>
-            <a:r>
-              <a:rPr lang="en-US" dirty="0"/>
-              <a:t>/</a:t>
-            </a:r>
-            <a:r>
-              <a:rPr lang="en-US" dirty="0" err="1"/>
-              <a:t>basic-python:latest</a:t>
-            </a:r>
-            <a:r>
-              <a:rPr lang="en-US" dirty="0"/>
-              <a:t>) is what I point to in my </a:t>
-            </a:r>
-            <a:r>
-              <a:rPr lang="en-US" dirty="0" err="1"/>
-              <a:t>bsub</a:t>
-            </a:r>
-            <a:r>
-              <a:rPr lang="en-US" dirty="0"/>
-              <a:t> command.</a:t>
+              <a:t>Dockerfile</a:t>
+            </a:r>
+            <a:r>
+              <a:rPr lang="en-US" dirty="0"/>
+              <a:t> itself that made that tag</a:t>
             </a:r>
           </a:p>
         </p:txBody>
@@ -5805,7 +5770,7 @@
           <p:cNvPr id="2" name="Title 1">
             <a:extLst>
               <a:ext uri="{FF2B5EF4-FFF2-40B4-BE49-F238E27FC236}">
-                <a16:creationId xmlns:a16="http://schemas.microsoft.com/office/drawing/2014/main" id="{0BA656BF-8100-F11D-1A69-A830A4576E47}"/>
+                <a16:creationId xmlns:a16="http://schemas.microsoft.com/office/drawing/2014/main" id="{78EE93E2-F570-B08D-5DEE-3395A3715372}"/>
               </a:ext>
             </a:extLst>
           </p:cNvPr>
@@ -5823,8 +5788,13 @@
           <a:p>
             <a:r>
               <a:rPr lang="en-US" dirty="0"/>
-              <a:t>In sum</a:t>
-            </a:r>
+              <a:t>With </a:t>
+            </a:r>
+            <a:r>
+              <a:rPr lang="en-US" dirty="0" err="1"/>
+              <a:t>workshop-python:with-ris</a:t>
+            </a:r>
+            <a:endParaRPr lang="en-US" dirty="0"/>
           </a:p>
         </p:txBody>
       </p:sp>
@@ -5833,7 +5803,7 @@
           <p:cNvPr id="3" name="Content Placeholder 2">
             <a:extLst>
               <a:ext uri="{FF2B5EF4-FFF2-40B4-BE49-F238E27FC236}">
-                <a16:creationId xmlns:a16="http://schemas.microsoft.com/office/drawing/2014/main" id="{E05A76E3-E6AA-1AB1-A415-5AB03C7D59BC}"/>
+                <a16:creationId xmlns:a16="http://schemas.microsoft.com/office/drawing/2014/main" id="{C27CE259-C285-F5E9-8844-A383B2563925}"/>
               </a:ext>
             </a:extLst>
           </p:cNvPr>
@@ -5846,37 +5816,203 @@
         </p:nvSpPr>
         <p:spPr/>
         <p:txBody>
-          <a:bodyPr/>
-          <a:lstStyle/>
-          <a:p>
-            <a:r>
-              <a:rPr lang="en-US" dirty="0"/>
-              <a:t>Why Docker</a:t>
-            </a:r>
-          </a:p>
-          <a:p>
-            <a:r>
-              <a:rPr lang="en-US" dirty="0"/>
-              <a:t>What is a </a:t>
-            </a:r>
+          <a:bodyPr>
+            <a:normAutofit fontScale="92500"/>
+          </a:bodyPr>
+          <a:lstStyle/>
+          <a:p>
             <a:r>
               <a:rPr lang="en-US" dirty="0" err="1"/>
-              <a:t>Dockerfile</a:t>
+              <a:t>bsub</a:t>
+            </a:r>
+            <a:r>
+              <a:rPr lang="en-US" dirty="0"/>
+              <a:t> -Is -G compute-</a:t>
+            </a:r>
+            <a:r>
+              <a:rPr lang="en-US" dirty="0" err="1"/>
+              <a:t>artsci</a:t>
+            </a:r>
+            <a:r>
+              <a:rPr lang="en-US" dirty="0"/>
+              <a:t> -q </a:t>
+            </a:r>
+            <a:r>
+              <a:rPr lang="en-US" dirty="0" err="1"/>
+              <a:t>artsci</a:t>
+            </a:r>
+            <a:r>
+              <a:rPr lang="en-US" dirty="0"/>
+              <a:t>-interactive -a "docker(</a:t>
+            </a:r>
+            <a:r>
+              <a:rPr lang="en-US" dirty="0" err="1"/>
+              <a:t>gregeporter</a:t>
+            </a:r>
+            <a:r>
+              <a:rPr lang="en-US" dirty="0"/>
+              <a:t>/</a:t>
+            </a:r>
+            <a:r>
+              <a:rPr lang="en-US" dirty="0" err="1"/>
+              <a:t>workshop-python:with-git</a:t>
+            </a:r>
+            <a:r>
+              <a:rPr lang="en-US" dirty="0"/>
+              <a:t>)" python /</a:t>
+            </a:r>
+            <a:r>
+              <a:rPr lang="en-US" dirty="0" err="1"/>
+              <a:t>copied_code</a:t>
+            </a:r>
+            <a:r>
+              <a:rPr lang="en-US" dirty="0"/>
+              <a:t>/basic-</a:t>
+            </a:r>
+            <a:r>
+              <a:rPr lang="en-US" dirty="0" err="1"/>
+              <a:t>python.py</a:t>
             </a:r>
             <a:endParaRPr lang="en-US" dirty="0"/>
           </a:p>
           <a:p>
-            <a:r>
-              <a:rPr lang="en-US" dirty="0"/>
-              <a:t>How to build on the RIS</a:t>
-            </a:r>
+            <a:pPr lvl="1"/>
+            <a:r>
+              <a:rPr lang="en-US" dirty="0"/>
+              <a:t>Added via COPY</a:t>
+            </a:r>
+          </a:p>
+          <a:p>
+            <a:r>
+              <a:rPr lang="en-US" dirty="0" err="1"/>
+              <a:t>bsub</a:t>
+            </a:r>
+            <a:r>
+              <a:rPr lang="en-US" dirty="0"/>
+              <a:t> -Is -G compute-</a:t>
+            </a:r>
+            <a:r>
+              <a:rPr lang="en-US" dirty="0" err="1"/>
+              <a:t>artsci</a:t>
+            </a:r>
+            <a:r>
+              <a:rPr lang="en-US" dirty="0"/>
+              <a:t> -q </a:t>
+            </a:r>
+            <a:r>
+              <a:rPr lang="en-US" dirty="0" err="1"/>
+              <a:t>artsci</a:t>
+            </a:r>
+            <a:r>
+              <a:rPr lang="en-US" dirty="0"/>
+              <a:t>-interactive -a "docker(</a:t>
+            </a:r>
+            <a:r>
+              <a:rPr lang="en-US" dirty="0" err="1"/>
+              <a:t>gregeporter</a:t>
+            </a:r>
+            <a:r>
+              <a:rPr lang="en-US" dirty="0"/>
+              <a:t>/</a:t>
+            </a:r>
+            <a:r>
+              <a:rPr lang="en-US" dirty="0" err="1"/>
+              <a:t>workshop-python:with-git</a:t>
+            </a:r>
+            <a:r>
+              <a:rPr lang="en-US" dirty="0"/>
+              <a:t>)" python /basic-examples/basic-</a:t>
+            </a:r>
+            <a:r>
+              <a:rPr lang="en-US" dirty="0" err="1"/>
+              <a:t>python.py</a:t>
+            </a:r>
+            <a:endParaRPr lang="en-US" dirty="0"/>
+          </a:p>
+          <a:p>
+            <a:pPr lvl="1"/>
+            <a:r>
+              <a:rPr lang="en-US" dirty="0"/>
+              <a:t>Pulled from GIT</a:t>
+            </a:r>
+          </a:p>
+          <a:p>
+            <a:r>
+              <a:rPr lang="en-US" dirty="0"/>
+              <a:t> </a:t>
+            </a:r>
+            <a:r>
+              <a:rPr lang="en-US" dirty="0" err="1"/>
+              <a:t>bsub</a:t>
+            </a:r>
+            <a:r>
+              <a:rPr lang="en-US" dirty="0"/>
+              <a:t> -Is -G compute-</a:t>
+            </a:r>
+            <a:r>
+              <a:rPr lang="en-US" dirty="0" err="1"/>
+              <a:t>artsci</a:t>
+            </a:r>
+            <a:r>
+              <a:rPr lang="en-US" dirty="0"/>
+              <a:t> -q </a:t>
+            </a:r>
+            <a:r>
+              <a:rPr lang="en-US" dirty="0" err="1"/>
+              <a:t>artsci</a:t>
+            </a:r>
+            <a:r>
+              <a:rPr lang="en-US" dirty="0"/>
+              <a:t>-interactive -a "docker(</a:t>
+            </a:r>
+            <a:r>
+              <a:rPr lang="en-US" dirty="0" err="1"/>
+              <a:t>gregeporter</a:t>
+            </a:r>
+            <a:r>
+              <a:rPr lang="en-US" dirty="0"/>
+              <a:t>/</a:t>
+            </a:r>
+            <a:r>
+              <a:rPr lang="en-US" dirty="0" err="1"/>
+              <a:t>workshop-python:with-git</a:t>
+            </a:r>
+            <a:r>
+              <a:rPr lang="en-US" dirty="0"/>
+              <a:t>)" python basic-</a:t>
+            </a:r>
+            <a:r>
+              <a:rPr lang="en-US" dirty="0" err="1"/>
+              <a:t>python.py</a:t>
+            </a:r>
+            <a:endParaRPr lang="en-US" dirty="0"/>
+          </a:p>
+          <a:p>
+            <a:pPr lvl="1"/>
+            <a:r>
+              <a:rPr lang="en-US" dirty="0"/>
+              <a:t>In the directory where the job </a:t>
+            </a:r>
+            <a:r>
+              <a:rPr lang="en-US" dirty="0" err="1"/>
+              <a:t>bsub</a:t>
+            </a:r>
+            <a:r>
+              <a:rPr lang="en-US" dirty="0"/>
+              <a:t> command </a:t>
+            </a:r>
+            <a:r>
+              <a:rPr lang="en-US"/>
+              <a:t>was initiated</a:t>
+            </a:r>
+            <a:endParaRPr lang="en-US" dirty="0"/>
           </a:p>
         </p:txBody>
       </p:sp>
     </p:spTree>
     <p:extLst>
       <p:ext uri="{BB962C8B-B14F-4D97-AF65-F5344CB8AC3E}">
-        <p14:creationId xmlns:p14="http://schemas.microsoft.com/office/powerpoint/2010/main" val="135299463"/>
+        <p14:creationId xmlns:p14="http://schemas.microsoft.com/office/powerpoint/2010/main" val="3421690224"/>
       </p:ext>
     </p:extLst>
   </p:cSld>
@@ -5908,7 +6044,7 @@
           <p:cNvPr id="2" name="Title 1">
             <a:extLst>
               <a:ext uri="{FF2B5EF4-FFF2-40B4-BE49-F238E27FC236}">
-                <a16:creationId xmlns:a16="http://schemas.microsoft.com/office/drawing/2014/main" id="{DCA50767-38E3-3C2F-C818-697B499F84E9}"/>
+                <a16:creationId xmlns:a16="http://schemas.microsoft.com/office/drawing/2014/main" id="{0BA656BF-8100-F11D-1A69-A830A4576E47}"/>
               </a:ext>
             </a:extLst>
           </p:cNvPr>
@@ -5926,7 +6062,7 @@
           <a:p>
             <a:r>
               <a:rPr lang="en-US" dirty="0"/>
-              <a:t>Thank you very much!</a:t>
+              <a:t>In sum</a:t>
             </a:r>
           </a:p>
         </p:txBody>
@@ -5936,7 +6072,7 @@
           <p:cNvPr id="3" name="Content Placeholder 2">
             <a:extLst>
               <a:ext uri="{FF2B5EF4-FFF2-40B4-BE49-F238E27FC236}">
-                <a16:creationId xmlns:a16="http://schemas.microsoft.com/office/drawing/2014/main" id="{FAC661AC-D36F-5DBC-787A-FE74D373D208}"/>
+                <a16:creationId xmlns:a16="http://schemas.microsoft.com/office/drawing/2014/main" id="{E05A76E3-E6AA-1AB1-A415-5AB03C7D59BC}"/>
               </a:ext>
             </a:extLst>
           </p:cNvPr>
@@ -5954,42 +6090,32 @@
           <a:p>
             <a:r>
               <a:rPr lang="en-US" dirty="0"/>
-              <a:t>Contact info:</a:t>
-            </a:r>
-          </a:p>
-          <a:p>
-            <a:pPr marL="457200" lvl="1" indent="0">
-              <a:buNone/>
-            </a:pPr>
-            <a:r>
-              <a:rPr lang="en-US" dirty="0"/>
-              <a:t>Gregory Porter</a:t>
-            </a:r>
-          </a:p>
-          <a:p>
-            <a:pPr marL="457200" lvl="1" indent="0">
-              <a:buNone/>
-            </a:pPr>
-            <a:r>
-              <a:rPr lang="en-US" dirty="0">
-                <a:hlinkClick r:id="rId3"/>
-              </a:rPr>
-              <a:t>G.porter@wustl.edu</a:t>
+              <a:t>Why Docker</a:t>
+            </a:r>
+          </a:p>
+          <a:p>
+            <a:r>
+              <a:rPr lang="en-US" dirty="0"/>
+              <a:t>What is a </a:t>
+            </a:r>
+            <a:r>
+              <a:rPr lang="en-US" dirty="0" err="1"/>
+              <a:t>Dockerfile</a:t>
             </a:r>
             <a:endParaRPr lang="en-US" dirty="0"/>
           </a:p>
           <a:p>
-            <a:pPr marL="457200" lvl="1" indent="0">
-              <a:buNone/>
-            </a:pPr>
-            <a:endParaRPr lang="en-US" dirty="0"/>
+            <a:r>
+              <a:rPr lang="en-US" dirty="0"/>
+              <a:t>How to build on the RIS</a:t>
+            </a:r>
           </a:p>
         </p:txBody>
       </p:sp>
     </p:spTree>
     <p:extLst>
       <p:ext uri="{BB962C8B-B14F-4D97-AF65-F5344CB8AC3E}">
-        <p14:creationId xmlns:p14="http://schemas.microsoft.com/office/powerpoint/2010/main" val="4083102771"/>
+        <p14:creationId xmlns:p14="http://schemas.microsoft.com/office/powerpoint/2010/main" val="135299463"/>
       </p:ext>
     </p:extLst>
   </p:cSld>
@@ -6102,6 +6228,119 @@
     <p:extLst>
       <p:ext uri="{BB962C8B-B14F-4D97-AF65-F5344CB8AC3E}">
         <p14:creationId xmlns:p14="http://schemas.microsoft.com/office/powerpoint/2010/main" val="2470395248"/>
+      </p:ext>
+    </p:extLst>
+  </p:cSld>
+  <p:clrMapOvr>
+    <a:masterClrMapping/>
+  </p:clrMapOvr>
+</p:sld>
+</file>
+
+<file path=ppt/slides/slide20.xml><?xml version="1.0" encoding="utf-8"?>
+<p:sld xmlns:a="http://schemas.openxmlformats.org/drawingml/2006/main" xmlns:r="http://schemas.openxmlformats.org/officeDocument/2006/relationships" xmlns:p="http://schemas.openxmlformats.org/presentationml/2006/main">
+  <p:cSld>
+    <p:spTree>
+      <p:nvGrpSpPr>
+        <p:cNvPr id="1" name=""/>
+        <p:cNvGrpSpPr/>
+        <p:nvPr/>
+      </p:nvGrpSpPr>
+      <p:grpSpPr>
+        <a:xfrm>
+          <a:off x="0" y="0"/>
+          <a:ext cx="0" cy="0"/>
+          <a:chOff x="0" y="0"/>
+          <a:chExt cx="0" cy="0"/>
+        </a:xfrm>
+      </p:grpSpPr>
+      <p:sp>
+        <p:nvSpPr>
+          <p:cNvPr id="2" name="Title 1">
+            <a:extLst>
+              <a:ext uri="{FF2B5EF4-FFF2-40B4-BE49-F238E27FC236}">
+                <a16:creationId xmlns:a16="http://schemas.microsoft.com/office/drawing/2014/main" id="{DCA50767-38E3-3C2F-C818-697B499F84E9}"/>
+              </a:ext>
+            </a:extLst>
+          </p:cNvPr>
+          <p:cNvSpPr>
+            <a:spLocks noGrp="1"/>
+          </p:cNvSpPr>
+          <p:nvPr>
+            <p:ph type="title"/>
+          </p:nvPr>
+        </p:nvSpPr>
+        <p:spPr/>
+        <p:txBody>
+          <a:bodyPr/>
+          <a:lstStyle/>
+          <a:p>
+            <a:r>
+              <a:rPr lang="en-US" dirty="0"/>
+              <a:t>Thank you very much!</a:t>
+            </a:r>
+          </a:p>
+        </p:txBody>
+      </p:sp>
+      <p:sp>
+        <p:nvSpPr>
+          <p:cNvPr id="3" name="Content Placeholder 2">
+            <a:extLst>
+              <a:ext uri="{FF2B5EF4-FFF2-40B4-BE49-F238E27FC236}">
+                <a16:creationId xmlns:a16="http://schemas.microsoft.com/office/drawing/2014/main" id="{FAC661AC-D36F-5DBC-787A-FE74D373D208}"/>
+              </a:ext>
+            </a:extLst>
+          </p:cNvPr>
+          <p:cNvSpPr>
+            <a:spLocks noGrp="1"/>
+          </p:cNvSpPr>
+          <p:nvPr>
+            <p:ph idx="1"/>
+          </p:nvPr>
+        </p:nvSpPr>
+        <p:spPr/>
+        <p:txBody>
+          <a:bodyPr/>
+          <a:lstStyle/>
+          <a:p>
+            <a:r>
+              <a:rPr lang="en-US" dirty="0"/>
+              <a:t>Contact info:</a:t>
+            </a:r>
+          </a:p>
+          <a:p>
+            <a:pPr marL="457200" lvl="1" indent="0">
+              <a:buNone/>
+            </a:pPr>
+            <a:r>
+              <a:rPr lang="en-US" dirty="0"/>
+              <a:t>Gregory Porter</a:t>
+            </a:r>
+          </a:p>
+          <a:p>
+            <a:pPr marL="457200" lvl="1" indent="0">
+              <a:buNone/>
+            </a:pPr>
+            <a:r>
+              <a:rPr lang="en-US" dirty="0">
+                <a:hlinkClick r:id="rId3"/>
+              </a:rPr>
+              <a:t>G.porter@wustl.edu</a:t>
+            </a:r>
+            <a:endParaRPr lang="en-US" dirty="0"/>
+          </a:p>
+          <a:p>
+            <a:pPr marL="457200" lvl="1" indent="0">
+              <a:buNone/>
+            </a:pPr>
+            <a:endParaRPr lang="en-US" dirty="0"/>
+          </a:p>
+        </p:txBody>
+      </p:sp>
+    </p:spTree>
+    <p:extLst>
+      <p:ext uri="{BB962C8B-B14F-4D97-AF65-F5344CB8AC3E}">
+        <p14:creationId xmlns:p14="http://schemas.microsoft.com/office/powerpoint/2010/main" val="4083102771"/>
       </p:ext>
     </p:extLst>
   </p:cSld>

--- a/slides/triads-ris-workshop-day-3.pptx
+++ b/slides/triads-ris-workshop-day-3.pptx
@@ -5,7 +5,7 @@
     <p:sldMasterId id="2147483648" r:id="rId1"/>
   </p:sldMasterIdLst>
   <p:notesMasterIdLst>
-    <p:notesMasterId r:id="rId22"/>
+    <p:notesMasterId r:id="rId24"/>
   </p:notesMasterIdLst>
   <p:sldIdLst>
     <p:sldId id="256" r:id="rId2"/>
@@ -18,16 +18,18 @@
     <p:sldId id="302" r:id="rId9"/>
     <p:sldId id="320" r:id="rId10"/>
     <p:sldId id="314" r:id="rId11"/>
-    <p:sldId id="323" r:id="rId12"/>
-    <p:sldId id="324" r:id="rId13"/>
-    <p:sldId id="319" r:id="rId14"/>
-    <p:sldId id="322" r:id="rId15"/>
-    <p:sldId id="326" r:id="rId16"/>
-    <p:sldId id="325" r:id="rId17"/>
-    <p:sldId id="327" r:id="rId18"/>
-    <p:sldId id="328" r:id="rId19"/>
-    <p:sldId id="297" r:id="rId20"/>
-    <p:sldId id="294" r:id="rId21"/>
+    <p:sldId id="329" r:id="rId12"/>
+    <p:sldId id="323" r:id="rId13"/>
+    <p:sldId id="330" r:id="rId14"/>
+    <p:sldId id="324" r:id="rId15"/>
+    <p:sldId id="319" r:id="rId16"/>
+    <p:sldId id="322" r:id="rId17"/>
+    <p:sldId id="326" r:id="rId18"/>
+    <p:sldId id="325" r:id="rId19"/>
+    <p:sldId id="327" r:id="rId20"/>
+    <p:sldId id="328" r:id="rId21"/>
+    <p:sldId id="297" r:id="rId22"/>
+    <p:sldId id="294" r:id="rId23"/>
   </p:sldIdLst>
   <p:sldSz cx="12192000" cy="6858000"/>
   <p:notesSz cx="6858000" cy="9144000"/>
@@ -216,7 +218,7 @@
           <a:p>
             <a:fld id="{0EB23CB4-0EBB-7E43-AEC8-D5ADDA650247}" type="datetimeFigureOut">
               <a:rPr lang="en-US" smtClean="0"/>
-              <a:t>11/8/24</a:t>
+              <a:t>11/12/24</a:t>
             </a:fld>
             <a:endParaRPr lang="en-US"/>
           </a:p>
@@ -632,7 +634,175 @@
           <a:p>
             <a:fld id="{C2FD1589-7E77-6440-8706-C35CABE01F1C}" type="slidenum">
               <a:rPr lang="en-US" smtClean="0"/>
-              <a:t>20</a:t>
+              <a:t>14</a:t>
+            </a:fld>
+            <a:endParaRPr lang="en-US"/>
+          </a:p>
+        </p:txBody>
+      </p:sp>
+    </p:spTree>
+    <p:extLst>
+      <p:ext uri="{BB962C8B-B14F-4D97-AF65-F5344CB8AC3E}">
+        <p14:creationId xmlns:p14="http://schemas.microsoft.com/office/powerpoint/2010/main" val="3874051929"/>
+      </p:ext>
+    </p:extLst>
+  </p:cSld>
+  <p:clrMapOvr>
+    <a:masterClrMapping/>
+  </p:clrMapOvr>
+</p:notes>
+</file>
+
+<file path=ppt/notesSlides/notesSlide11.xml><?xml version="1.0" encoding="utf-8"?>
+<p:notes xmlns:a="http://schemas.openxmlformats.org/drawingml/2006/main" xmlns:r="http://schemas.openxmlformats.org/officeDocument/2006/relationships" xmlns:p="http://schemas.openxmlformats.org/presentationml/2006/main">
+  <p:cSld>
+    <p:spTree>
+      <p:nvGrpSpPr>
+        <p:cNvPr id="1" name=""/>
+        <p:cNvGrpSpPr/>
+        <p:nvPr/>
+      </p:nvGrpSpPr>
+      <p:grpSpPr>
+        <a:xfrm>
+          <a:off x="0" y="0"/>
+          <a:ext cx="0" cy="0"/>
+          <a:chOff x="0" y="0"/>
+          <a:chExt cx="0" cy="0"/>
+        </a:xfrm>
+      </p:grpSpPr>
+      <p:sp>
+        <p:nvSpPr>
+          <p:cNvPr id="2" name="Slide Image Placeholder 1"/>
+          <p:cNvSpPr>
+            <a:spLocks noGrp="1" noRot="1" noChangeAspect="1"/>
+          </p:cNvSpPr>
+          <p:nvPr>
+            <p:ph type="sldImg"/>
+          </p:nvPr>
+        </p:nvSpPr>
+        <p:spPr/>
+      </p:sp>
+      <p:sp>
+        <p:nvSpPr>
+          <p:cNvPr id="3" name="Notes Placeholder 2"/>
+          <p:cNvSpPr>
+            <a:spLocks noGrp="1"/>
+          </p:cNvSpPr>
+          <p:nvPr>
+            <p:ph type="body" idx="1"/>
+          </p:nvPr>
+        </p:nvSpPr>
+        <p:spPr/>
+        <p:txBody>
+          <a:bodyPr/>
+          <a:lstStyle/>
+          <a:p>
+            <a:endParaRPr lang="en-US" dirty="0"/>
+          </a:p>
+        </p:txBody>
+      </p:sp>
+      <p:sp>
+        <p:nvSpPr>
+          <p:cNvPr id="4" name="Slide Number Placeholder 3"/>
+          <p:cNvSpPr>
+            <a:spLocks noGrp="1"/>
+          </p:cNvSpPr>
+          <p:nvPr>
+            <p:ph type="sldNum" sz="quarter" idx="5"/>
+          </p:nvPr>
+        </p:nvSpPr>
+        <p:spPr/>
+        <p:txBody>
+          <a:bodyPr/>
+          <a:lstStyle/>
+          <a:p>
+            <a:fld id="{C2FD1589-7E77-6440-8706-C35CABE01F1C}" type="slidenum">
+              <a:rPr lang="en-US" smtClean="0"/>
+              <a:t>15</a:t>
+            </a:fld>
+            <a:endParaRPr lang="en-US"/>
+          </a:p>
+        </p:txBody>
+      </p:sp>
+    </p:spTree>
+    <p:extLst>
+      <p:ext uri="{BB962C8B-B14F-4D97-AF65-F5344CB8AC3E}">
+        <p14:creationId xmlns:p14="http://schemas.microsoft.com/office/powerpoint/2010/main" val="2955056501"/>
+      </p:ext>
+    </p:extLst>
+  </p:cSld>
+  <p:clrMapOvr>
+    <a:masterClrMapping/>
+  </p:clrMapOvr>
+</p:notes>
+</file>
+
+<file path=ppt/notesSlides/notesSlide12.xml><?xml version="1.0" encoding="utf-8"?>
+<p:notes xmlns:a="http://schemas.openxmlformats.org/drawingml/2006/main" xmlns:r="http://schemas.openxmlformats.org/officeDocument/2006/relationships" xmlns:p="http://schemas.openxmlformats.org/presentationml/2006/main">
+  <p:cSld>
+    <p:spTree>
+      <p:nvGrpSpPr>
+        <p:cNvPr id="1" name=""/>
+        <p:cNvGrpSpPr/>
+        <p:nvPr/>
+      </p:nvGrpSpPr>
+      <p:grpSpPr>
+        <a:xfrm>
+          <a:off x="0" y="0"/>
+          <a:ext cx="0" cy="0"/>
+          <a:chOff x="0" y="0"/>
+          <a:chExt cx="0" cy="0"/>
+        </a:xfrm>
+      </p:grpSpPr>
+      <p:sp>
+        <p:nvSpPr>
+          <p:cNvPr id="2" name="Slide Image Placeholder 1"/>
+          <p:cNvSpPr>
+            <a:spLocks noGrp="1" noRot="1" noChangeAspect="1"/>
+          </p:cNvSpPr>
+          <p:nvPr>
+            <p:ph type="sldImg"/>
+          </p:nvPr>
+        </p:nvSpPr>
+        <p:spPr/>
+      </p:sp>
+      <p:sp>
+        <p:nvSpPr>
+          <p:cNvPr id="3" name="Notes Placeholder 2"/>
+          <p:cNvSpPr>
+            <a:spLocks noGrp="1"/>
+          </p:cNvSpPr>
+          <p:nvPr>
+            <p:ph type="body" idx="1"/>
+          </p:nvPr>
+        </p:nvSpPr>
+        <p:spPr/>
+        <p:txBody>
+          <a:bodyPr/>
+          <a:lstStyle/>
+          <a:p>
+            <a:endParaRPr lang="en-US" dirty="0"/>
+          </a:p>
+        </p:txBody>
+      </p:sp>
+      <p:sp>
+        <p:nvSpPr>
+          <p:cNvPr id="4" name="Slide Number Placeholder 3"/>
+          <p:cNvSpPr>
+            <a:spLocks noGrp="1"/>
+          </p:cNvSpPr>
+          <p:nvPr>
+            <p:ph type="sldNum" sz="quarter" idx="5"/>
+          </p:nvPr>
+        </p:nvSpPr>
+        <p:spPr/>
+        <p:txBody>
+          <a:bodyPr/>
+          <a:lstStyle/>
+          <a:p>
+            <a:fld id="{C2FD1589-7E77-6440-8706-C35CABE01F1C}" type="slidenum">
+              <a:rPr lang="en-US" smtClean="0"/>
+              <a:t>22</a:t>
             </a:fld>
             <a:endParaRPr lang="en-US"/>
           </a:p>
@@ -1145,7 +1315,7 @@
     </p:spTree>
     <p:extLst>
       <p:ext uri="{BB962C8B-B14F-4D97-AF65-F5344CB8AC3E}">
-        <p14:creationId xmlns:p14="http://schemas.microsoft.com/office/powerpoint/2010/main" val="3207214180"/>
+        <p14:creationId xmlns:p14="http://schemas.microsoft.com/office/powerpoint/2010/main" val="3711078857"/>
       </p:ext>
     </p:extLst>
   </p:cSld>
@@ -1229,7 +1399,7 @@
     </p:spTree>
     <p:extLst>
       <p:ext uri="{BB962C8B-B14F-4D97-AF65-F5344CB8AC3E}">
-        <p14:creationId xmlns:p14="http://schemas.microsoft.com/office/powerpoint/2010/main" val="3874051929"/>
+        <p14:creationId xmlns:p14="http://schemas.microsoft.com/office/powerpoint/2010/main" val="3207214180"/>
       </p:ext>
     </p:extLst>
   </p:cSld>
@@ -1313,7 +1483,7 @@
     </p:spTree>
     <p:extLst>
       <p:ext uri="{BB962C8B-B14F-4D97-AF65-F5344CB8AC3E}">
-        <p14:creationId xmlns:p14="http://schemas.microsoft.com/office/powerpoint/2010/main" val="2955056501"/>
+        <p14:creationId xmlns:p14="http://schemas.microsoft.com/office/powerpoint/2010/main" val="636753714"/>
       </p:ext>
     </p:extLst>
   </p:cSld>
@@ -1470,7 +1640,7 @@
           <a:p>
             <a:fld id="{2B281CE9-E0DF-2844-850D-DF93F0722CA0}" type="datetimeFigureOut">
               <a:rPr lang="en-US" smtClean="0"/>
-              <a:t>11/8/24</a:t>
+              <a:t>11/12/24</a:t>
             </a:fld>
             <a:endParaRPr lang="en-US"/>
           </a:p>
@@ -1668,7 +1838,7 @@
           <a:p>
             <a:fld id="{2B281CE9-E0DF-2844-850D-DF93F0722CA0}" type="datetimeFigureOut">
               <a:rPr lang="en-US" smtClean="0"/>
-              <a:t>11/8/24</a:t>
+              <a:t>11/12/24</a:t>
             </a:fld>
             <a:endParaRPr lang="en-US"/>
           </a:p>
@@ -1876,7 +2046,7 @@
           <a:p>
             <a:fld id="{2B281CE9-E0DF-2844-850D-DF93F0722CA0}" type="datetimeFigureOut">
               <a:rPr lang="en-US" smtClean="0"/>
-              <a:t>11/8/24</a:t>
+              <a:t>11/12/24</a:t>
             </a:fld>
             <a:endParaRPr lang="en-US"/>
           </a:p>
@@ -2074,7 +2244,7 @@
           <a:p>
             <a:fld id="{2B281CE9-E0DF-2844-850D-DF93F0722CA0}" type="datetimeFigureOut">
               <a:rPr lang="en-US" smtClean="0"/>
-              <a:t>11/8/24</a:t>
+              <a:t>11/12/24</a:t>
             </a:fld>
             <a:endParaRPr lang="en-US"/>
           </a:p>
@@ -2349,7 +2519,7 @@
           <a:p>
             <a:fld id="{2B281CE9-E0DF-2844-850D-DF93F0722CA0}" type="datetimeFigureOut">
               <a:rPr lang="en-US" smtClean="0"/>
-              <a:t>11/8/24</a:t>
+              <a:t>11/12/24</a:t>
             </a:fld>
             <a:endParaRPr lang="en-US"/>
           </a:p>
@@ -2614,7 +2784,7 @@
           <a:p>
             <a:fld id="{2B281CE9-E0DF-2844-850D-DF93F0722CA0}" type="datetimeFigureOut">
               <a:rPr lang="en-US" smtClean="0"/>
-              <a:t>11/8/24</a:t>
+              <a:t>11/12/24</a:t>
             </a:fld>
             <a:endParaRPr lang="en-US"/>
           </a:p>
@@ -3026,7 +3196,7 @@
           <a:p>
             <a:fld id="{2B281CE9-E0DF-2844-850D-DF93F0722CA0}" type="datetimeFigureOut">
               <a:rPr lang="en-US" smtClean="0"/>
-              <a:t>11/8/24</a:t>
+              <a:t>11/12/24</a:t>
             </a:fld>
             <a:endParaRPr lang="en-US"/>
           </a:p>
@@ -3167,7 +3337,7 @@
           <a:p>
             <a:fld id="{2B281CE9-E0DF-2844-850D-DF93F0722CA0}" type="datetimeFigureOut">
               <a:rPr lang="en-US" smtClean="0"/>
-              <a:t>11/8/24</a:t>
+              <a:t>11/12/24</a:t>
             </a:fld>
             <a:endParaRPr lang="en-US"/>
           </a:p>
@@ -3280,7 +3450,7 @@
           <a:p>
             <a:fld id="{2B281CE9-E0DF-2844-850D-DF93F0722CA0}" type="datetimeFigureOut">
               <a:rPr lang="en-US" smtClean="0"/>
-              <a:t>11/8/24</a:t>
+              <a:t>11/12/24</a:t>
             </a:fld>
             <a:endParaRPr lang="en-US"/>
           </a:p>
@@ -3591,7 +3761,7 @@
           <a:p>
             <a:fld id="{2B281CE9-E0DF-2844-850D-DF93F0722CA0}" type="datetimeFigureOut">
               <a:rPr lang="en-US" smtClean="0"/>
-              <a:t>11/8/24</a:t>
+              <a:t>11/12/24</a:t>
             </a:fld>
             <a:endParaRPr lang="en-US"/>
           </a:p>
@@ -3879,7 +4049,7 @@
           <a:p>
             <a:fld id="{2B281CE9-E0DF-2844-850D-DF93F0722CA0}" type="datetimeFigureOut">
               <a:rPr lang="en-US" smtClean="0"/>
-              <a:t>11/8/24</a:t>
+              <a:t>11/12/24</a:t>
             </a:fld>
             <a:endParaRPr lang="en-US"/>
           </a:p>
@@ -4120,7 +4290,7 @@
           <a:p>
             <a:fld id="{2B281CE9-E0DF-2844-850D-DF93F0722CA0}" type="datetimeFigureOut">
               <a:rPr lang="en-US" smtClean="0"/>
-              <a:t>11/8/24</a:t>
+              <a:t>11/12/24</a:t>
             </a:fld>
             <a:endParaRPr lang="en-US"/>
           </a:p>
@@ -4760,7 +4930,7 @@
             </a:r>
             <a:r>
               <a:rPr lang="en-US" dirty="0"/>
-              <a:t>”</a:t>
+              <a:t>” with no extension</a:t>
             </a:r>
           </a:p>
           <a:p>
@@ -4862,7 +5032,7 @@
           <a:p>
             <a:r>
               <a:rPr lang="en-US" dirty="0"/>
-              <a:t>Run the </a:t>
+              <a:t>This is the </a:t>
             </a:r>
             <a:r>
               <a:rPr lang="en-US" dirty="0" err="1"/>
@@ -4935,78 +5105,6 @@
             <a:r>
               <a:rPr lang="en-US" dirty="0"/>
               <a:t>&gt;:&lt;tag&gt; .</a:t>
-            </a:r>
-          </a:p>
-          <a:p>
-            <a:pPr lvl="1"/>
-            <a:r>
-              <a:rPr lang="en-US" dirty="0"/>
-              <a:t> This is what mine looks like:</a:t>
-            </a:r>
-          </a:p>
-          <a:p>
-            <a:pPr lvl="1"/>
-            <a:r>
-              <a:rPr lang="en-US" dirty="0" err="1"/>
-              <a:t>bsub</a:t>
-            </a:r>
-            <a:r>
-              <a:rPr lang="en-US" dirty="0"/>
-              <a:t> -G compute-workshop -q workshop</a:t>
-            </a:r>
-            <a:br>
-              <a:rPr lang="en-US" dirty="0"/>
-            </a:br>
-            <a:r>
-              <a:rPr lang="en-US" dirty="0"/>
-              <a:t> -a '</a:t>
-            </a:r>
-            <a:r>
-              <a:rPr lang="en-US" dirty="0" err="1"/>
-              <a:t>docker_build</a:t>
-            </a:r>
-            <a:r>
-              <a:rPr lang="en-US" dirty="0"/>
-              <a:t>(</a:t>
-            </a:r>
-            <a:r>
-              <a:rPr lang="en-US" dirty="0" err="1"/>
-              <a:t>gregeporter</a:t>
-            </a:r>
-            <a:r>
-              <a:rPr lang="en-US" dirty="0"/>
-              <a:t>/</a:t>
-            </a:r>
-            <a:r>
-              <a:rPr lang="en-US" dirty="0" err="1"/>
-              <a:t>basic-python:latest</a:t>
-            </a:r>
-            <a:r>
-              <a:rPr lang="en-US" dirty="0"/>
-              <a:t>)’</a:t>
-            </a:r>
-            <a:br>
-              <a:rPr lang="en-US" dirty="0"/>
-            </a:br>
-            <a:r>
-              <a:rPr lang="en-US" dirty="0"/>
-              <a:t>-- --tag </a:t>
-            </a:r>
-            <a:r>
-              <a:rPr lang="en-US" dirty="0" err="1"/>
-              <a:t>gregeporter</a:t>
-            </a:r>
-            <a:r>
-              <a:rPr lang="en-US" dirty="0"/>
-              <a:t>/</a:t>
-            </a:r>
-            <a:r>
-              <a:rPr lang="en-US" dirty="0" err="1"/>
-              <a:t>basic-python:latest</a:t>
-            </a:r>
-            <a:r>
-              <a:rPr lang="en-US" dirty="0"/>
-              <a:t> .</a:t>
             </a:r>
           </a:p>
         </p:txBody>
@@ -5014,7 +5112,7 @@
     </p:spTree>
     <p:extLst>
       <p:ext uri="{BB962C8B-B14F-4D97-AF65-F5344CB8AC3E}">
-        <p14:creationId xmlns:p14="http://schemas.microsoft.com/office/powerpoint/2010/main" val="2960790227"/>
+        <p14:creationId xmlns:p14="http://schemas.microsoft.com/office/powerpoint/2010/main" val="3729719040"/>
       </p:ext>
     </p:extLst>
   </p:cSld>
@@ -5094,25 +5192,21 @@
           <a:p>
             <a:r>
               <a:rPr lang="en-US" dirty="0"/>
-              <a:t>Outside of the workshop, this is what my command looks like:</a:t>
-            </a:r>
-          </a:p>
-          <a:p>
+              <a:t>The first time we do this, we have to log in to DockerHub</a:t>
+            </a:r>
+          </a:p>
+          <a:p>
+            <a:r>
+              <a:rPr lang="en-US" dirty="0"/>
+              <a:t>LSF_DOCKER_LOGIN=1 \</a:t>
+            </a:r>
             <a:r>
               <a:rPr lang="en-US" dirty="0" err="1"/>
               <a:t>bsub</a:t>
             </a:r>
             <a:r>
               <a:rPr lang="en-US" dirty="0"/>
-              <a:t> -G compute-</a:t>
-            </a:r>
-            <a:r>
-              <a:rPr lang="en-US" dirty="0" err="1"/>
-              <a:t>artsci</a:t>
-            </a:r>
-            <a:r>
-              <a:rPr lang="en-US" dirty="0"/>
-              <a:t> -q general-interactive -Is</a:t>
+              <a:t> -Is -G compute-workshop -q workshop-interactive</a:t>
             </a:r>
             <a:br>
               <a:rPr lang="en-US" dirty="0"/>
@@ -5127,38 +5221,63 @@
             </a:r>
             <a:r>
               <a:rPr lang="en-US" dirty="0"/>
-              <a:t>(</a:t>
+              <a:t>(&lt;</a:t>
             </a:r>
             <a:r>
               <a:rPr lang="en-US" dirty="0" err="1"/>
-              <a:t>gregeporter</a:t>
-            </a:r>
-            <a:r>
-              <a:rPr lang="en-US" dirty="0"/>
-              <a:t>/</a:t>
+              <a:t>dockerhub_username</a:t>
+            </a:r>
+            <a:r>
+              <a:rPr lang="en-US" dirty="0"/>
+              <a:t>&gt;/&lt;</a:t>
             </a:r>
             <a:r>
               <a:rPr lang="en-US" dirty="0" err="1"/>
-              <a:t>basic-python:latest</a:t>
-            </a:r>
-            <a:r>
-              <a:rPr lang="en-US" dirty="0"/>
-              <a:t>)’</a:t>
+              <a:t>name_of_container</a:t>
+            </a:r>
+            <a:r>
+              <a:rPr lang="en-US" dirty="0"/>
+              <a:t>&gt;:&lt;tag&gt;)’</a:t>
             </a:r>
             <a:br>
               <a:rPr lang="en-US" dirty="0"/>
             </a:br>
             <a:r>
               <a:rPr lang="en-US" dirty="0"/>
-              <a:t>-- --tag reporter/basic-python: latest .</a:t>
-            </a:r>
+              <a:t>-- --tag &lt;</a:t>
+            </a:r>
+            <a:r>
+              <a:rPr lang="en-US" dirty="0" err="1"/>
+              <a:t>dockerhub_username</a:t>
+            </a:r>
+            <a:r>
+              <a:rPr lang="en-US" dirty="0"/>
+              <a:t>&gt;/&lt;</a:t>
+            </a:r>
+            <a:r>
+              <a:rPr lang="en-US" dirty="0" err="1"/>
+              <a:t>name_of_container</a:t>
+            </a:r>
+            <a:r>
+              <a:rPr lang="en-US" dirty="0"/>
+              <a:t>&gt;:&lt;tag&gt; .</a:t>
+            </a:r>
+          </a:p>
+          <a:p>
+            <a:r>
+              <a:rPr lang="en-US" dirty="0">
+                <a:hlinkClick r:id="rId3"/>
+              </a:rPr>
+              <a:t>Here a link to the RIS documentation about this</a:t>
+            </a:r>
+            <a:endParaRPr lang="en-US" dirty="0"/>
           </a:p>
         </p:txBody>
       </p:sp>
     </p:spTree>
     <p:extLst>
       <p:ext uri="{BB962C8B-B14F-4D97-AF65-F5344CB8AC3E}">
-        <p14:creationId xmlns:p14="http://schemas.microsoft.com/office/powerpoint/2010/main" val="1780318596"/>
+        <p14:creationId xmlns:p14="http://schemas.microsoft.com/office/powerpoint/2010/main" val="2960790227"/>
       </p:ext>
     </p:extLst>
   </p:cSld>
@@ -5190,7 +5309,7 @@
           <p:cNvPr id="2" name="Title 1">
             <a:extLst>
               <a:ext uri="{FF2B5EF4-FFF2-40B4-BE49-F238E27FC236}">
-                <a16:creationId xmlns:a16="http://schemas.microsoft.com/office/drawing/2014/main" id="{4F8A5147-5DC2-5A6A-7669-C42ED4F4CB08}"/>
+                <a16:creationId xmlns:a16="http://schemas.microsoft.com/office/drawing/2014/main" id="{C9659ABE-EADF-E1B0-311C-B0821A409993}"/>
               </a:ext>
             </a:extLst>
           </p:cNvPr>
@@ -5208,7 +5327,7 @@
           <a:p>
             <a:r>
               <a:rPr lang="en-US" dirty="0"/>
-              <a:t>Let’s log onto DockerHub!</a:t>
+              <a:t>Building on RIS</a:t>
             </a:r>
           </a:p>
         </p:txBody>
@@ -5218,7 +5337,7 @@
           <p:cNvPr id="3" name="Content Placeholder 2">
             <a:extLst>
               <a:ext uri="{FF2B5EF4-FFF2-40B4-BE49-F238E27FC236}">
-                <a16:creationId xmlns:a16="http://schemas.microsoft.com/office/drawing/2014/main" id="{E437350A-DCF6-056F-F346-E4F9FD57A8D3}"/>
+                <a16:creationId xmlns:a16="http://schemas.microsoft.com/office/drawing/2014/main" id="{DD2F82C6-3BF2-42B3-8F4C-E657699121C1}"/>
               </a:ext>
             </a:extLst>
           </p:cNvPr>
@@ -5231,41 +5350,81 @@
         </p:nvSpPr>
         <p:spPr/>
         <p:txBody>
-          <a:bodyPr/>
-          <a:lstStyle/>
-          <a:p>
-            <a:r>
-              <a:rPr lang="en-US" dirty="0">
-                <a:hlinkClick r:id="rId3"/>
-              </a:rPr>
-              <a:t>Http://hub.docker.com</a:t>
-            </a:r>
-            <a:r>
-              <a:rPr lang="en-US" dirty="0"/>
-              <a:t> </a:t>
-            </a:r>
-          </a:p>
-          <a:p>
-            <a:endParaRPr lang="en-US" dirty="0"/>
-          </a:p>
-          <a:p>
-            <a:r>
-              <a:rPr lang="en-US" dirty="0"/>
-              <a:t>You should see your new container in your repositories (and we’ll see what it looks like with different tags)</a:t>
-            </a:r>
-          </a:p>
-          <a:p>
-            <a:r>
-              <a:rPr lang="en-US" dirty="0"/>
-              <a:t>Clicking on a specific tag will allow you to look at the </a:t>
-            </a:r>
+          <a:bodyPr>
+            <a:normAutofit/>
+          </a:bodyPr>
+          <a:lstStyle/>
+          <a:p>
+            <a:r>
+              <a:rPr lang="en-US" dirty="0"/>
+              <a:t>This is what mine looks like:</a:t>
+            </a:r>
+          </a:p>
+          <a:p>
+            <a:pPr marL="0" indent="0">
+              <a:buNone/>
+            </a:pPr>
             <a:r>
               <a:rPr lang="en-US" dirty="0" err="1"/>
-              <a:t>Dockerfile</a:t>
-            </a:r>
-            <a:r>
-              <a:rPr lang="en-US" dirty="0"/>
-              <a:t> itself that made that tag</a:t>
+              <a:t>bsub</a:t>
+            </a:r>
+            <a:r>
+              <a:rPr lang="en-US" dirty="0"/>
+              <a:t> –Is -G compute-workshop -q workshop-interactive</a:t>
+            </a:r>
+            <a:br>
+              <a:rPr lang="en-US" dirty="0"/>
+            </a:br>
+            <a:r>
+              <a:rPr lang="en-US" dirty="0"/>
+              <a:t> -a '</a:t>
+            </a:r>
+            <a:r>
+              <a:rPr lang="en-US" dirty="0" err="1"/>
+              <a:t>docker_build</a:t>
+            </a:r>
+            <a:r>
+              <a:rPr lang="en-US" dirty="0"/>
+              <a:t>(</a:t>
+            </a:r>
+            <a:r>
+              <a:rPr lang="en-US" dirty="0" err="1"/>
+              <a:t>gregeporter</a:t>
+            </a:r>
+            <a:r>
+              <a:rPr lang="en-US" dirty="0"/>
+              <a:t>/</a:t>
+            </a:r>
+            <a:r>
+              <a:rPr lang="en-US" dirty="0" err="1"/>
+              <a:t>basic-python:latest</a:t>
+            </a:r>
+            <a:r>
+              <a:rPr lang="en-US" dirty="0"/>
+              <a:t>)’</a:t>
+            </a:r>
+            <a:br>
+              <a:rPr lang="en-US" dirty="0"/>
+            </a:br>
+            <a:r>
+              <a:rPr lang="en-US" dirty="0"/>
+              <a:t>-- --tag </a:t>
+            </a:r>
+            <a:r>
+              <a:rPr lang="en-US" dirty="0" err="1"/>
+              <a:t>gregeporter</a:t>
+            </a:r>
+            <a:r>
+              <a:rPr lang="en-US" dirty="0"/>
+              <a:t>/</a:t>
+            </a:r>
+            <a:r>
+              <a:rPr lang="en-US" dirty="0" err="1"/>
+              <a:t>basic-python:latest</a:t>
+            </a:r>
+            <a:r>
+              <a:rPr lang="en-US" dirty="0"/>
+              <a:t> .</a:t>
             </a:r>
           </a:p>
         </p:txBody>
@@ -5273,7 +5432,7 @@
     </p:spTree>
     <p:extLst>
       <p:ext uri="{BB962C8B-B14F-4D97-AF65-F5344CB8AC3E}">
-        <p14:creationId xmlns:p14="http://schemas.microsoft.com/office/powerpoint/2010/main" val="896403473"/>
+        <p14:creationId xmlns:p14="http://schemas.microsoft.com/office/powerpoint/2010/main" val="3598334689"/>
       </p:ext>
     </p:extLst>
   </p:cSld>
@@ -5305,7 +5464,7 @@
           <p:cNvPr id="2" name="Title 1">
             <a:extLst>
               <a:ext uri="{FF2B5EF4-FFF2-40B4-BE49-F238E27FC236}">
-                <a16:creationId xmlns:a16="http://schemas.microsoft.com/office/drawing/2014/main" id="{78EE93E2-F570-B08D-5DEE-3395A3715372}"/>
+                <a16:creationId xmlns:a16="http://schemas.microsoft.com/office/drawing/2014/main" id="{C9659ABE-EADF-E1B0-311C-B0821A409993}"/>
               </a:ext>
             </a:extLst>
           </p:cNvPr>
@@ -5323,72 +5482,74 @@
           <a:p>
             <a:r>
               <a:rPr lang="en-US" dirty="0"/>
-              <a:t>More details about the </a:t>
-            </a:r>
+              <a:t>Building on RIS</a:t>
+            </a:r>
+          </a:p>
+        </p:txBody>
+      </p:sp>
+      <p:sp>
+        <p:nvSpPr>
+          <p:cNvPr id="3" name="Content Placeholder 2">
+            <a:extLst>
+              <a:ext uri="{FF2B5EF4-FFF2-40B4-BE49-F238E27FC236}">
+                <a16:creationId xmlns:a16="http://schemas.microsoft.com/office/drawing/2014/main" id="{DD2F82C6-3BF2-42B3-8F4C-E657699121C1}"/>
+              </a:ext>
+            </a:extLst>
+          </p:cNvPr>
+          <p:cNvSpPr>
+            <a:spLocks noGrp="1"/>
+          </p:cNvSpPr>
+          <p:nvPr>
+            <p:ph idx="1"/>
+          </p:nvPr>
+        </p:nvSpPr>
+        <p:spPr/>
+        <p:txBody>
+          <a:bodyPr>
+            <a:normAutofit/>
+          </a:bodyPr>
+          <a:lstStyle/>
+          <a:p>
+            <a:r>
+              <a:rPr lang="en-US" dirty="0"/>
+              <a:t>Outside of the workshop, this is what my command looks like:</a:t>
+            </a:r>
+          </a:p>
+          <a:p>
             <a:r>
               <a:rPr lang="en-US" dirty="0" err="1"/>
-              <a:t>Dockerfile</a:t>
-            </a:r>
-            <a:endParaRPr lang="en-US" dirty="0"/>
-          </a:p>
-        </p:txBody>
-      </p:sp>
-      <p:sp>
-        <p:nvSpPr>
-          <p:cNvPr id="3" name="Content Placeholder 2">
-            <a:extLst>
-              <a:ext uri="{FF2B5EF4-FFF2-40B4-BE49-F238E27FC236}">
-                <a16:creationId xmlns:a16="http://schemas.microsoft.com/office/drawing/2014/main" id="{C27CE259-C285-F5E9-8844-A383B2563925}"/>
-              </a:ext>
-            </a:extLst>
-          </p:cNvPr>
-          <p:cNvSpPr>
-            <a:spLocks noGrp="1"/>
-          </p:cNvSpPr>
-          <p:nvPr>
-            <p:ph idx="1"/>
-          </p:nvPr>
-        </p:nvSpPr>
-        <p:spPr/>
-        <p:txBody>
-          <a:bodyPr/>
-          <a:lstStyle/>
-          <a:p>
-            <a:r>
-              <a:rPr lang="en-US" dirty="0"/>
-              <a:t>You can add all sorts of commands in the </a:t>
+              <a:t>bsub</a:t>
+            </a:r>
+            <a:r>
+              <a:rPr lang="en-US" dirty="0"/>
+              <a:t> -Is -G compute-</a:t>
             </a:r>
             <a:r>
               <a:rPr lang="en-US" dirty="0" err="1"/>
-              <a:t>Dockerfile</a:t>
-            </a:r>
-            <a:endParaRPr lang="en-US" dirty="0"/>
-          </a:p>
-          <a:p>
-            <a:endParaRPr lang="en-US" dirty="0"/>
-          </a:p>
-          <a:p>
-            <a:r>
-              <a:rPr lang="en-US" dirty="0"/>
-              <a:t>You can also include additional code</a:t>
-            </a:r>
-          </a:p>
-          <a:p>
-            <a:pPr lvl="1"/>
-            <a:r>
-              <a:rPr lang="en-US" dirty="0"/>
-              <a:t>COPY * .</a:t>
-            </a:r>
-          </a:p>
-          <a:p>
-            <a:pPr lvl="1"/>
-            <a:r>
-              <a:rPr lang="en-US" dirty="0"/>
-              <a:t>ADD https://</a:t>
+              <a:t>artsci</a:t>
+            </a:r>
+            <a:r>
+              <a:rPr lang="en-US" dirty="0"/>
+              <a:t> -q general-interactive -Is</a:t>
+            </a:r>
+            <a:br>
+              <a:rPr lang="en-US" dirty="0"/>
+            </a:br>
+            <a:r>
+              <a:rPr lang="en-US" dirty="0"/>
+              <a:t> -a '</a:t>
             </a:r>
             <a:r>
               <a:rPr lang="en-US" dirty="0" err="1"/>
-              <a:t>github.com</a:t>
+              <a:t>docker_build</a:t>
+            </a:r>
+            <a:r>
+              <a:rPr lang="en-US" dirty="0"/>
+              <a:t>(</a:t>
+            </a:r>
+            <a:r>
+              <a:rPr lang="en-US" dirty="0" err="1"/>
+              <a:t>gregeporter</a:t>
             </a:r>
             <a:r>
               <a:rPr lang="en-US" dirty="0"/>
@@ -5396,24 +5557,26 @@
             </a:r>
             <a:r>
               <a:rPr lang="en-US" dirty="0" err="1"/>
-              <a:t>GregePorter</a:t>
-            </a:r>
-            <a:r>
-              <a:rPr lang="en-US" dirty="0"/>
-              <a:t>/RIS-</a:t>
-            </a:r>
-            <a:r>
-              <a:rPr lang="en-US" dirty="0" err="1"/>
-              <a:t>quickstart.git</a:t>
-            </a:r>
-            <a:endParaRPr lang="en-US" dirty="0"/>
+              <a:t>basic-python:latest</a:t>
+            </a:r>
+            <a:r>
+              <a:rPr lang="en-US" dirty="0"/>
+              <a:t>)’</a:t>
+            </a:r>
+            <a:br>
+              <a:rPr lang="en-US" dirty="0"/>
+            </a:br>
+            <a:r>
+              <a:rPr lang="en-US" dirty="0"/>
+              <a:t>-- --tag reporter/basic-python: latest .</a:t>
+            </a:r>
           </a:p>
         </p:txBody>
       </p:sp>
     </p:spTree>
     <p:extLst>
       <p:ext uri="{BB962C8B-B14F-4D97-AF65-F5344CB8AC3E}">
-        <p14:creationId xmlns:p14="http://schemas.microsoft.com/office/powerpoint/2010/main" val="2367986090"/>
+        <p14:creationId xmlns:p14="http://schemas.microsoft.com/office/powerpoint/2010/main" val="1780318596"/>
       </p:ext>
     </p:extLst>
   </p:cSld>
@@ -5445,7 +5608,7 @@
           <p:cNvPr id="2" name="Title 1">
             <a:extLst>
               <a:ext uri="{FF2B5EF4-FFF2-40B4-BE49-F238E27FC236}">
-                <a16:creationId xmlns:a16="http://schemas.microsoft.com/office/drawing/2014/main" id="{78EE93E2-F570-B08D-5DEE-3395A3715372}"/>
+                <a16:creationId xmlns:a16="http://schemas.microsoft.com/office/drawing/2014/main" id="{4F8A5147-5DC2-5A6A-7669-C42ED4F4CB08}"/>
               </a:ext>
             </a:extLst>
           </p:cNvPr>
@@ -5463,57 +5626,64 @@
           <a:p>
             <a:r>
               <a:rPr lang="en-US" dirty="0"/>
-              <a:t>More details about the </a:t>
+              <a:t>Let’s log onto DockerHub!</a:t>
+            </a:r>
+          </a:p>
+        </p:txBody>
+      </p:sp>
+      <p:sp>
+        <p:nvSpPr>
+          <p:cNvPr id="3" name="Content Placeholder 2">
+            <a:extLst>
+              <a:ext uri="{FF2B5EF4-FFF2-40B4-BE49-F238E27FC236}">
+                <a16:creationId xmlns:a16="http://schemas.microsoft.com/office/drawing/2014/main" id="{E437350A-DCF6-056F-F346-E4F9FD57A8D3}"/>
+              </a:ext>
+            </a:extLst>
+          </p:cNvPr>
+          <p:cNvSpPr>
+            <a:spLocks noGrp="1"/>
+          </p:cNvSpPr>
+          <p:nvPr>
+            <p:ph idx="1"/>
+          </p:nvPr>
+        </p:nvSpPr>
+        <p:spPr/>
+        <p:txBody>
+          <a:bodyPr/>
+          <a:lstStyle/>
+          <a:p>
+            <a:r>
+              <a:rPr lang="en-US" dirty="0">
+                <a:hlinkClick r:id="rId3"/>
+              </a:rPr>
+              <a:t>Http://hub.docker.com</a:t>
+            </a:r>
+            <a:r>
+              <a:rPr lang="en-US" dirty="0"/>
+              <a:t> </a:t>
+            </a:r>
+          </a:p>
+          <a:p>
+            <a:endParaRPr lang="en-US" dirty="0"/>
+          </a:p>
+          <a:p>
+            <a:r>
+              <a:rPr lang="en-US" dirty="0"/>
+              <a:t>You should see your new container in your repositories (and we’ll see what it looks like with different tags)</a:t>
+            </a:r>
+          </a:p>
+          <a:p>
+            <a:r>
+              <a:rPr lang="en-US" dirty="0"/>
+              <a:t>Clicking on a specific tag will allow you to look at the </a:t>
             </a:r>
             <a:r>
               <a:rPr lang="en-US" dirty="0" err="1"/>
               <a:t>Dockerfile</a:t>
             </a:r>
-            <a:endParaRPr lang="en-US" dirty="0"/>
-          </a:p>
-        </p:txBody>
-      </p:sp>
-      <p:sp>
-        <p:nvSpPr>
-          <p:cNvPr id="3" name="Content Placeholder 2">
-            <a:extLst>
-              <a:ext uri="{FF2B5EF4-FFF2-40B4-BE49-F238E27FC236}">
-                <a16:creationId xmlns:a16="http://schemas.microsoft.com/office/drawing/2014/main" id="{C27CE259-C285-F5E9-8844-A383B2563925}"/>
-              </a:ext>
-            </a:extLst>
-          </p:cNvPr>
-          <p:cNvSpPr>
-            <a:spLocks noGrp="1"/>
-          </p:cNvSpPr>
-          <p:nvPr>
-            <p:ph idx="1"/>
-          </p:nvPr>
-        </p:nvSpPr>
-        <p:spPr/>
-        <p:txBody>
-          <a:bodyPr/>
-          <a:lstStyle/>
-          <a:p>
-            <a:r>
-              <a:rPr lang="en-US" dirty="0"/>
-              <a:t>COPY --</a:t>
-            </a:r>
-            <a:r>
-              <a:rPr lang="en-US" dirty="0" err="1"/>
-              <a:t>chmod</a:t>
-            </a:r>
-            <a:r>
-              <a:rPr lang="en-US" dirty="0"/>
-              <a:t>=775 * .</a:t>
-            </a:r>
-          </a:p>
-          <a:p>
-            <a:endParaRPr lang="en-US" dirty="0"/>
-          </a:p>
-          <a:p>
-            <a:r>
-              <a:rPr lang="en-US" dirty="0"/>
-              <a:t>This will copy the contents of the current directory into the root of the container (with the correct permissions)</a:t>
+            <a:r>
+              <a:rPr lang="en-US" dirty="0"/>
+              <a:t> itself that made that tag</a:t>
             </a:r>
           </a:p>
         </p:txBody>
@@ -5521,7 +5691,7 @@
     </p:spTree>
     <p:extLst>
       <p:ext uri="{BB962C8B-B14F-4D97-AF65-F5344CB8AC3E}">
-        <p14:creationId xmlns:p14="http://schemas.microsoft.com/office/powerpoint/2010/main" val="381291873"/>
+        <p14:creationId xmlns:p14="http://schemas.microsoft.com/office/powerpoint/2010/main" val="896403473"/>
       </p:ext>
     </p:extLst>
   </p:cSld>
@@ -5604,31 +5774,64 @@
           <a:p>
             <a:r>
               <a:rPr lang="en-US" dirty="0"/>
-              <a:t>ADD </a:t>
-            </a:r>
-            <a:r>
-              <a:rPr lang="en-US" dirty="0">
-                <a:hlinkClick r:id="rId2"/>
-              </a:rPr>
-              <a:t>https://github.com/GregePorter/RIS-quickstart.git</a:t>
-            </a:r>
-            <a:r>
-              <a:rPr lang="en-US" dirty="0"/>
-              <a:t> .</a:t>
-            </a:r>
-          </a:p>
-          <a:p>
-            <a:r>
-              <a:rPr lang="en-US" dirty="0"/>
-              <a:t>This will clone the given repo and put it in the root of the container</a:t>
-            </a:r>
+              <a:t>You can add all sorts of commands in the </a:t>
+            </a:r>
+            <a:r>
+              <a:rPr lang="en-US" dirty="0" err="1"/>
+              <a:t>Dockerfile</a:t>
+            </a:r>
+            <a:endParaRPr lang="en-US" dirty="0"/>
+          </a:p>
+          <a:p>
+            <a:endParaRPr lang="en-US" dirty="0"/>
+          </a:p>
+          <a:p>
+            <a:r>
+              <a:rPr lang="en-US" dirty="0"/>
+              <a:t>You can also include additional code</a:t>
+            </a:r>
+          </a:p>
+          <a:p>
+            <a:pPr lvl="1"/>
+            <a:r>
+              <a:rPr lang="en-US" dirty="0"/>
+              <a:t>COPY * .</a:t>
+            </a:r>
+          </a:p>
+          <a:p>
+            <a:pPr lvl="1"/>
+            <a:r>
+              <a:rPr lang="en-US" dirty="0"/>
+              <a:t>ADD https://</a:t>
+            </a:r>
+            <a:r>
+              <a:rPr lang="en-US" dirty="0" err="1"/>
+              <a:t>github.com</a:t>
+            </a:r>
+            <a:r>
+              <a:rPr lang="en-US" dirty="0"/>
+              <a:t>/</a:t>
+            </a:r>
+            <a:r>
+              <a:rPr lang="en-US" dirty="0" err="1"/>
+              <a:t>GregePorter</a:t>
+            </a:r>
+            <a:r>
+              <a:rPr lang="en-US" dirty="0"/>
+              <a:t>/RIS-</a:t>
+            </a:r>
+            <a:r>
+              <a:rPr lang="en-US" dirty="0" err="1"/>
+              <a:t>quickstart.git</a:t>
+            </a:r>
+            <a:endParaRPr lang="en-US" dirty="0"/>
           </a:p>
         </p:txBody>
       </p:sp>
     </p:spTree>
     <p:extLst>
       <p:ext uri="{BB962C8B-B14F-4D97-AF65-F5344CB8AC3E}">
-        <p14:creationId xmlns:p14="http://schemas.microsoft.com/office/powerpoint/2010/main" val="3301002617"/>
+        <p14:creationId xmlns:p14="http://schemas.microsoft.com/office/powerpoint/2010/main" val="2367986090"/>
       </p:ext>
     </p:extLst>
   </p:cSld>
@@ -5711,34 +5914,32 @@
           <a:p>
             <a:r>
               <a:rPr lang="en-US" dirty="0"/>
-              <a:t>RUN ./</a:t>
+              <a:t>COPY --</a:t>
             </a:r>
             <a:r>
               <a:rPr lang="en-US" dirty="0" err="1"/>
-              <a:t>run_python.sh</a:t>
-            </a:r>
+              <a:t>chmod</a:t>
+            </a:r>
+            <a:r>
+              <a:rPr lang="en-US" dirty="0"/>
+              <a:t>=775 * .</a:t>
+            </a:r>
+          </a:p>
+          <a:p>
             <a:endParaRPr lang="en-US" dirty="0"/>
           </a:p>
           <a:p>
-            <a:endParaRPr lang="en-US" dirty="0"/>
-          </a:p>
-          <a:p>
-            <a:r>
-              <a:rPr lang="en-US" dirty="0"/>
-              <a:t>This will run the above script (which is in the root of the container) </a:t>
-            </a:r>
-            <a:r>
-              <a:rPr lang="en-US" b="1" dirty="0"/>
-              <a:t>when the container is being built</a:t>
-            </a:r>
-            <a:endParaRPr lang="en-US" dirty="0"/>
+            <a:r>
+              <a:rPr lang="en-US" dirty="0"/>
+              <a:t>This will copy the contents of the current directory into the root of the container (with the correct permissions)</a:t>
+            </a:r>
           </a:p>
         </p:txBody>
       </p:sp>
     </p:spTree>
     <p:extLst>
       <p:ext uri="{BB962C8B-B14F-4D97-AF65-F5344CB8AC3E}">
-        <p14:creationId xmlns:p14="http://schemas.microsoft.com/office/powerpoint/2010/main" val="3606253169"/>
+        <p14:creationId xmlns:p14="http://schemas.microsoft.com/office/powerpoint/2010/main" val="381291873"/>
       </p:ext>
     </p:extLst>
   </p:cSld>
@@ -5788,11 +5989,11 @@
           <a:p>
             <a:r>
               <a:rPr lang="en-US" dirty="0"/>
-              <a:t>With </a:t>
+              <a:t>More details about the </a:t>
             </a:r>
             <a:r>
               <a:rPr lang="en-US" dirty="0" err="1"/>
-              <a:t>workshop-python:with-ris</a:t>
+              <a:t>Dockerfile</a:t>
             </a:r>
             <a:endParaRPr lang="en-US" dirty="0"/>
           </a:p>
@@ -5816,203 +6017,36 @@
         </p:nvSpPr>
         <p:spPr/>
         <p:txBody>
-          <a:bodyPr>
-            <a:normAutofit fontScale="92500"/>
-          </a:bodyPr>
-          <a:lstStyle/>
-          <a:p>
-            <a:r>
-              <a:rPr lang="en-US" dirty="0" err="1"/>
-              <a:t>bsub</a:t>
-            </a:r>
-            <a:r>
-              <a:rPr lang="en-US" dirty="0"/>
-              <a:t> -Is -G compute-</a:t>
-            </a:r>
-            <a:r>
-              <a:rPr lang="en-US" dirty="0" err="1"/>
-              <a:t>artsci</a:t>
-            </a:r>
-            <a:r>
-              <a:rPr lang="en-US" dirty="0"/>
-              <a:t> -q </a:t>
-            </a:r>
-            <a:r>
-              <a:rPr lang="en-US" dirty="0" err="1"/>
-              <a:t>artsci</a:t>
-            </a:r>
-            <a:r>
-              <a:rPr lang="en-US" dirty="0"/>
-              <a:t>-interactive -a "docker(</a:t>
-            </a:r>
-            <a:r>
-              <a:rPr lang="en-US" dirty="0" err="1"/>
-              <a:t>gregeporter</a:t>
-            </a:r>
-            <a:r>
-              <a:rPr lang="en-US" dirty="0"/>
-              <a:t>/</a:t>
-            </a:r>
-            <a:r>
-              <a:rPr lang="en-US" dirty="0" err="1"/>
-              <a:t>workshop-python:with-git</a:t>
-            </a:r>
-            <a:r>
-              <a:rPr lang="en-US" dirty="0"/>
-              <a:t>)" python /</a:t>
-            </a:r>
-            <a:r>
-              <a:rPr lang="en-US" dirty="0" err="1"/>
-              <a:t>copied_code</a:t>
-            </a:r>
-            <a:r>
-              <a:rPr lang="en-US" dirty="0"/>
-              <a:t>/basic-</a:t>
-            </a:r>
-            <a:r>
-              <a:rPr lang="en-US" dirty="0" err="1"/>
-              <a:t>python.py</a:t>
-            </a:r>
-            <a:endParaRPr lang="en-US" dirty="0"/>
-          </a:p>
-          <a:p>
-            <a:pPr lvl="1"/>
-            <a:r>
-              <a:rPr lang="en-US" dirty="0"/>
-              <a:t>Added via COPY</a:t>
-            </a:r>
-          </a:p>
-          <a:p>
-            <a:r>
-              <a:rPr lang="en-US" dirty="0" err="1"/>
-              <a:t>bsub</a:t>
-            </a:r>
-            <a:r>
-              <a:rPr lang="en-US" dirty="0"/>
-              <a:t> -Is -G compute-</a:t>
-            </a:r>
-            <a:r>
-              <a:rPr lang="en-US" dirty="0" err="1"/>
-              <a:t>artsci</a:t>
-            </a:r>
-            <a:r>
-              <a:rPr lang="en-US" dirty="0"/>
-              <a:t> -q </a:t>
-            </a:r>
-            <a:r>
-              <a:rPr lang="en-US" dirty="0" err="1"/>
-              <a:t>artsci</a:t>
-            </a:r>
-            <a:r>
-              <a:rPr lang="en-US" dirty="0"/>
-              <a:t>-interactive -a "docker(</a:t>
-            </a:r>
-            <a:r>
-              <a:rPr lang="en-US" dirty="0" err="1"/>
-              <a:t>gregeporter</a:t>
-            </a:r>
-            <a:r>
-              <a:rPr lang="en-US" dirty="0"/>
-              <a:t>/</a:t>
-            </a:r>
-            <a:r>
-              <a:rPr lang="en-US" dirty="0" err="1"/>
-              <a:t>workshop-python:with-git</a:t>
-            </a:r>
-            <a:r>
-              <a:rPr lang="en-US" dirty="0"/>
-              <a:t>)" python /basic-examples/basic-</a:t>
-            </a:r>
-            <a:r>
-              <a:rPr lang="en-US" dirty="0" err="1"/>
-              <a:t>python.py</a:t>
-            </a:r>
-            <a:endParaRPr lang="en-US" dirty="0"/>
-          </a:p>
-          <a:p>
-            <a:pPr lvl="1"/>
-            <a:r>
-              <a:rPr lang="en-US" dirty="0"/>
-              <a:t>Pulled from GIT</a:t>
-            </a:r>
-          </a:p>
-          <a:p>
-            <a:r>
-              <a:rPr lang="en-US" dirty="0"/>
-              <a:t> </a:t>
-            </a:r>
-            <a:r>
-              <a:rPr lang="en-US" dirty="0" err="1"/>
-              <a:t>bsub</a:t>
-            </a:r>
-            <a:r>
-              <a:rPr lang="en-US" dirty="0"/>
-              <a:t> -Is -G compute-</a:t>
-            </a:r>
-            <a:r>
-              <a:rPr lang="en-US" dirty="0" err="1"/>
-              <a:t>artsci</a:t>
-            </a:r>
-            <a:r>
-              <a:rPr lang="en-US" dirty="0"/>
-              <a:t> -q </a:t>
-            </a:r>
-            <a:r>
-              <a:rPr lang="en-US" dirty="0" err="1"/>
-              <a:t>artsci</a:t>
-            </a:r>
-            <a:r>
-              <a:rPr lang="en-US" dirty="0"/>
-              <a:t>-interactive -a "docker(</a:t>
-            </a:r>
-            <a:r>
-              <a:rPr lang="en-US" dirty="0" err="1"/>
-              <a:t>gregeporter</a:t>
-            </a:r>
-            <a:r>
-              <a:rPr lang="en-US" dirty="0"/>
-              <a:t>/</a:t>
-            </a:r>
-            <a:r>
-              <a:rPr lang="en-US" dirty="0" err="1"/>
-              <a:t>workshop-python:with-git</a:t>
-            </a:r>
-            <a:r>
-              <a:rPr lang="en-US" dirty="0"/>
-              <a:t>)" python basic-</a:t>
-            </a:r>
-            <a:r>
-              <a:rPr lang="en-US" dirty="0" err="1"/>
-              <a:t>python.py</a:t>
-            </a:r>
-            <a:endParaRPr lang="en-US" dirty="0"/>
-          </a:p>
-          <a:p>
-            <a:pPr lvl="1"/>
-            <a:r>
-              <a:rPr lang="en-US" dirty="0"/>
-              <a:t>In the directory where the job </a:t>
-            </a:r>
-            <a:r>
-              <a:rPr lang="en-US" dirty="0" err="1"/>
-              <a:t>bsub</a:t>
-            </a:r>
-            <a:r>
-              <a:rPr lang="en-US" dirty="0"/>
-              <a:t> command </a:t>
-            </a:r>
-            <a:r>
-              <a:rPr lang="en-US"/>
-              <a:t>was initiated</a:t>
-            </a:r>
-            <a:endParaRPr lang="en-US" dirty="0"/>
+          <a:bodyPr/>
+          <a:lstStyle/>
+          <a:p>
+            <a:r>
+              <a:rPr lang="en-US" dirty="0"/>
+              <a:t>ADD </a:t>
+            </a:r>
+            <a:r>
+              <a:rPr lang="en-US" dirty="0">
+                <a:hlinkClick r:id="rId2"/>
+              </a:rPr>
+              <a:t>https://github.com/GregePorter/RIS-quickstart.git</a:t>
+            </a:r>
+            <a:r>
+              <a:rPr lang="en-US" dirty="0"/>
+              <a:t> .</a:t>
+            </a:r>
+          </a:p>
+          <a:p>
+            <a:r>
+              <a:rPr lang="en-US" dirty="0"/>
+              <a:t>This will clone the given repo and put it in the root of the container</a:t>
+            </a:r>
           </a:p>
         </p:txBody>
       </p:sp>
     </p:spTree>
     <p:extLst>
       <p:ext uri="{BB962C8B-B14F-4D97-AF65-F5344CB8AC3E}">
-        <p14:creationId xmlns:p14="http://schemas.microsoft.com/office/powerpoint/2010/main" val="3421690224"/>
+        <p14:creationId xmlns:p14="http://schemas.microsoft.com/office/powerpoint/2010/main" val="3301002617"/>
       </p:ext>
     </p:extLst>
   </p:cSld>
@@ -6044,7 +6078,7 @@
           <p:cNvPr id="2" name="Title 1">
             <a:extLst>
               <a:ext uri="{FF2B5EF4-FFF2-40B4-BE49-F238E27FC236}">
-                <a16:creationId xmlns:a16="http://schemas.microsoft.com/office/drawing/2014/main" id="{0BA656BF-8100-F11D-1A69-A830A4576E47}"/>
+                <a16:creationId xmlns:a16="http://schemas.microsoft.com/office/drawing/2014/main" id="{78EE93E2-F570-B08D-5DEE-3395A3715372}"/>
               </a:ext>
             </a:extLst>
           </p:cNvPr>
@@ -6062,41 +6096,7 @@
           <a:p>
             <a:r>
               <a:rPr lang="en-US" dirty="0"/>
-              <a:t>In sum</a:t>
-            </a:r>
-          </a:p>
-        </p:txBody>
-      </p:sp>
-      <p:sp>
-        <p:nvSpPr>
-          <p:cNvPr id="3" name="Content Placeholder 2">
-            <a:extLst>
-              <a:ext uri="{FF2B5EF4-FFF2-40B4-BE49-F238E27FC236}">
-                <a16:creationId xmlns:a16="http://schemas.microsoft.com/office/drawing/2014/main" id="{E05A76E3-E6AA-1AB1-A415-5AB03C7D59BC}"/>
-              </a:ext>
-            </a:extLst>
-          </p:cNvPr>
-          <p:cNvSpPr>
-            <a:spLocks noGrp="1"/>
-          </p:cNvSpPr>
-          <p:nvPr>
-            <p:ph idx="1"/>
-          </p:nvPr>
-        </p:nvSpPr>
-        <p:spPr/>
-        <p:txBody>
-          <a:bodyPr/>
-          <a:lstStyle/>
-          <a:p>
-            <a:r>
-              <a:rPr lang="en-US" dirty="0"/>
-              <a:t>Why Docker</a:t>
-            </a:r>
-          </a:p>
-          <a:p>
-            <a:r>
-              <a:rPr lang="en-US" dirty="0"/>
-              <a:t>What is a </a:t>
+              <a:t>More details about the </a:t>
             </a:r>
             <a:r>
               <a:rPr lang="en-US" dirty="0" err="1"/>
@@ -6104,18 +6104,59 @@
             </a:r>
             <a:endParaRPr lang="en-US" dirty="0"/>
           </a:p>
-          <a:p>
-            <a:r>
-              <a:rPr lang="en-US" dirty="0"/>
-              <a:t>How to build on the RIS</a:t>
-            </a:r>
+        </p:txBody>
+      </p:sp>
+      <p:sp>
+        <p:nvSpPr>
+          <p:cNvPr id="3" name="Content Placeholder 2">
+            <a:extLst>
+              <a:ext uri="{FF2B5EF4-FFF2-40B4-BE49-F238E27FC236}">
+                <a16:creationId xmlns:a16="http://schemas.microsoft.com/office/drawing/2014/main" id="{C27CE259-C285-F5E9-8844-A383B2563925}"/>
+              </a:ext>
+            </a:extLst>
+          </p:cNvPr>
+          <p:cNvSpPr>
+            <a:spLocks noGrp="1"/>
+          </p:cNvSpPr>
+          <p:nvPr>
+            <p:ph idx="1"/>
+          </p:nvPr>
+        </p:nvSpPr>
+        <p:spPr/>
+        <p:txBody>
+          <a:bodyPr/>
+          <a:lstStyle/>
+          <a:p>
+            <a:r>
+              <a:rPr lang="en-US" dirty="0"/>
+              <a:t>RUN ./</a:t>
+            </a:r>
+            <a:r>
+              <a:rPr lang="en-US" dirty="0" err="1"/>
+              <a:t>run_python.sh</a:t>
+            </a:r>
+            <a:endParaRPr lang="en-US" dirty="0"/>
+          </a:p>
+          <a:p>
+            <a:endParaRPr lang="en-US" dirty="0"/>
+          </a:p>
+          <a:p>
+            <a:r>
+              <a:rPr lang="en-US" dirty="0"/>
+              <a:t>This will run the above script (which is in the root of the container) </a:t>
+            </a:r>
+            <a:r>
+              <a:rPr lang="en-US" b="1" dirty="0"/>
+              <a:t>when the container is being built</a:t>
+            </a:r>
+            <a:endParaRPr lang="en-US" dirty="0"/>
           </a:p>
         </p:txBody>
       </p:sp>
     </p:spTree>
     <p:extLst>
       <p:ext uri="{BB962C8B-B14F-4D97-AF65-F5344CB8AC3E}">
-        <p14:creationId xmlns:p14="http://schemas.microsoft.com/office/powerpoint/2010/main" val="135299463"/>
+        <p14:creationId xmlns:p14="http://schemas.microsoft.com/office/powerpoint/2010/main" val="3606253169"/>
       </p:ext>
     </p:extLst>
   </p:cSld>
@@ -6259,6 +6300,383 @@
           <p:cNvPr id="2" name="Title 1">
             <a:extLst>
               <a:ext uri="{FF2B5EF4-FFF2-40B4-BE49-F238E27FC236}">
+                <a16:creationId xmlns:a16="http://schemas.microsoft.com/office/drawing/2014/main" id="{78EE93E2-F570-B08D-5DEE-3395A3715372}"/>
+              </a:ext>
+            </a:extLst>
+          </p:cNvPr>
+          <p:cNvSpPr>
+            <a:spLocks noGrp="1"/>
+          </p:cNvSpPr>
+          <p:nvPr>
+            <p:ph type="title"/>
+          </p:nvPr>
+        </p:nvSpPr>
+        <p:spPr/>
+        <p:txBody>
+          <a:bodyPr/>
+          <a:lstStyle/>
+          <a:p>
+            <a:r>
+              <a:rPr lang="en-US" dirty="0"/>
+              <a:t>With </a:t>
+            </a:r>
+            <a:r>
+              <a:rPr lang="en-US" dirty="0" err="1"/>
+              <a:t>workshop-python:with-ris</a:t>
+            </a:r>
+            <a:endParaRPr lang="en-US" dirty="0"/>
+          </a:p>
+        </p:txBody>
+      </p:sp>
+      <p:sp>
+        <p:nvSpPr>
+          <p:cNvPr id="3" name="Content Placeholder 2">
+            <a:extLst>
+              <a:ext uri="{FF2B5EF4-FFF2-40B4-BE49-F238E27FC236}">
+                <a16:creationId xmlns:a16="http://schemas.microsoft.com/office/drawing/2014/main" id="{C27CE259-C285-F5E9-8844-A383B2563925}"/>
+              </a:ext>
+            </a:extLst>
+          </p:cNvPr>
+          <p:cNvSpPr>
+            <a:spLocks noGrp="1"/>
+          </p:cNvSpPr>
+          <p:nvPr>
+            <p:ph idx="1"/>
+          </p:nvPr>
+        </p:nvSpPr>
+        <p:spPr/>
+        <p:txBody>
+          <a:bodyPr>
+            <a:normAutofit fontScale="92500"/>
+          </a:bodyPr>
+          <a:lstStyle/>
+          <a:p>
+            <a:r>
+              <a:rPr lang="en-US" dirty="0" err="1"/>
+              <a:t>bsub</a:t>
+            </a:r>
+            <a:r>
+              <a:rPr lang="en-US" dirty="0"/>
+              <a:t> -Is -G compute-</a:t>
+            </a:r>
+            <a:r>
+              <a:rPr lang="en-US" dirty="0" err="1"/>
+              <a:t>artsci</a:t>
+            </a:r>
+            <a:r>
+              <a:rPr lang="en-US" dirty="0"/>
+              <a:t> -q </a:t>
+            </a:r>
+            <a:r>
+              <a:rPr lang="en-US" dirty="0" err="1"/>
+              <a:t>artsci</a:t>
+            </a:r>
+            <a:r>
+              <a:rPr lang="en-US" dirty="0"/>
+              <a:t>-interactive -a "docker(</a:t>
+            </a:r>
+            <a:r>
+              <a:rPr lang="en-US" dirty="0" err="1"/>
+              <a:t>gregeporter</a:t>
+            </a:r>
+            <a:r>
+              <a:rPr lang="en-US" dirty="0"/>
+              <a:t>/</a:t>
+            </a:r>
+            <a:r>
+              <a:rPr lang="en-US" dirty="0" err="1"/>
+              <a:t>workshop-python:with-git</a:t>
+            </a:r>
+            <a:r>
+              <a:rPr lang="en-US" dirty="0"/>
+              <a:t>)" python /</a:t>
+            </a:r>
+            <a:r>
+              <a:rPr lang="en-US" dirty="0" err="1"/>
+              <a:t>copied_code</a:t>
+            </a:r>
+            <a:r>
+              <a:rPr lang="en-US" dirty="0"/>
+              <a:t>/basic-</a:t>
+            </a:r>
+            <a:r>
+              <a:rPr lang="en-US" dirty="0" err="1"/>
+              <a:t>python.py</a:t>
+            </a:r>
+            <a:endParaRPr lang="en-US" dirty="0"/>
+          </a:p>
+          <a:p>
+            <a:pPr lvl="1"/>
+            <a:r>
+              <a:rPr lang="en-US" dirty="0"/>
+              <a:t>Added via COPY</a:t>
+            </a:r>
+          </a:p>
+          <a:p>
+            <a:r>
+              <a:rPr lang="en-US" dirty="0" err="1"/>
+              <a:t>bsub</a:t>
+            </a:r>
+            <a:r>
+              <a:rPr lang="en-US" dirty="0"/>
+              <a:t> -Is -G compute-</a:t>
+            </a:r>
+            <a:r>
+              <a:rPr lang="en-US" dirty="0" err="1"/>
+              <a:t>artsci</a:t>
+            </a:r>
+            <a:r>
+              <a:rPr lang="en-US" dirty="0"/>
+              <a:t> -q </a:t>
+            </a:r>
+            <a:r>
+              <a:rPr lang="en-US" dirty="0" err="1"/>
+              <a:t>artsci</a:t>
+            </a:r>
+            <a:r>
+              <a:rPr lang="en-US" dirty="0"/>
+              <a:t>-interactive -a "docker(</a:t>
+            </a:r>
+            <a:r>
+              <a:rPr lang="en-US" dirty="0" err="1"/>
+              <a:t>gregeporter</a:t>
+            </a:r>
+            <a:r>
+              <a:rPr lang="en-US" dirty="0"/>
+              <a:t>/</a:t>
+            </a:r>
+            <a:r>
+              <a:rPr lang="en-US" dirty="0" err="1"/>
+              <a:t>workshop-python:with-git</a:t>
+            </a:r>
+            <a:r>
+              <a:rPr lang="en-US" dirty="0"/>
+              <a:t>)" python /basic-examples/basic-</a:t>
+            </a:r>
+            <a:r>
+              <a:rPr lang="en-US" dirty="0" err="1"/>
+              <a:t>python.py</a:t>
+            </a:r>
+            <a:endParaRPr lang="en-US" dirty="0"/>
+          </a:p>
+          <a:p>
+            <a:pPr lvl="1"/>
+            <a:r>
+              <a:rPr lang="en-US" dirty="0"/>
+              <a:t>Pulled from GIT</a:t>
+            </a:r>
+          </a:p>
+          <a:p>
+            <a:r>
+              <a:rPr lang="en-US" dirty="0"/>
+              <a:t> </a:t>
+            </a:r>
+            <a:r>
+              <a:rPr lang="en-US" dirty="0" err="1"/>
+              <a:t>bsub</a:t>
+            </a:r>
+            <a:r>
+              <a:rPr lang="en-US" dirty="0"/>
+              <a:t> -Is -G compute-</a:t>
+            </a:r>
+            <a:r>
+              <a:rPr lang="en-US" dirty="0" err="1"/>
+              <a:t>artsci</a:t>
+            </a:r>
+            <a:r>
+              <a:rPr lang="en-US" dirty="0"/>
+              <a:t> -q </a:t>
+            </a:r>
+            <a:r>
+              <a:rPr lang="en-US" dirty="0" err="1"/>
+              <a:t>artsci</a:t>
+            </a:r>
+            <a:r>
+              <a:rPr lang="en-US" dirty="0"/>
+              <a:t>-interactive -a "docker(</a:t>
+            </a:r>
+            <a:r>
+              <a:rPr lang="en-US" dirty="0" err="1"/>
+              <a:t>gregeporter</a:t>
+            </a:r>
+            <a:r>
+              <a:rPr lang="en-US" dirty="0"/>
+              <a:t>/</a:t>
+            </a:r>
+            <a:r>
+              <a:rPr lang="en-US" dirty="0" err="1"/>
+              <a:t>workshop-python:with-git</a:t>
+            </a:r>
+            <a:r>
+              <a:rPr lang="en-US" dirty="0"/>
+              <a:t>)" python basic-</a:t>
+            </a:r>
+            <a:r>
+              <a:rPr lang="en-US" dirty="0" err="1"/>
+              <a:t>python.py</a:t>
+            </a:r>
+            <a:endParaRPr lang="en-US" dirty="0"/>
+          </a:p>
+          <a:p>
+            <a:pPr lvl="1"/>
+            <a:r>
+              <a:rPr lang="en-US" dirty="0"/>
+              <a:t>In the directory where the job </a:t>
+            </a:r>
+            <a:r>
+              <a:rPr lang="en-US" dirty="0" err="1"/>
+              <a:t>bsub</a:t>
+            </a:r>
+            <a:r>
+              <a:rPr lang="en-US" dirty="0"/>
+              <a:t> command </a:t>
+            </a:r>
+            <a:r>
+              <a:rPr lang="en-US"/>
+              <a:t>was initiated</a:t>
+            </a:r>
+            <a:endParaRPr lang="en-US" dirty="0"/>
+          </a:p>
+        </p:txBody>
+      </p:sp>
+    </p:spTree>
+    <p:extLst>
+      <p:ext uri="{BB962C8B-B14F-4D97-AF65-F5344CB8AC3E}">
+        <p14:creationId xmlns:p14="http://schemas.microsoft.com/office/powerpoint/2010/main" val="3421690224"/>
+      </p:ext>
+    </p:extLst>
+  </p:cSld>
+  <p:clrMapOvr>
+    <a:masterClrMapping/>
+  </p:clrMapOvr>
+</p:sld>
+</file>
+
+<file path=ppt/slides/slide21.xml><?xml version="1.0" encoding="utf-8"?>
+<p:sld xmlns:a="http://schemas.openxmlformats.org/drawingml/2006/main" xmlns:r="http://schemas.openxmlformats.org/officeDocument/2006/relationships" xmlns:p="http://schemas.openxmlformats.org/presentationml/2006/main">
+  <p:cSld>
+    <p:spTree>
+      <p:nvGrpSpPr>
+        <p:cNvPr id="1" name=""/>
+        <p:cNvGrpSpPr/>
+        <p:nvPr/>
+      </p:nvGrpSpPr>
+      <p:grpSpPr>
+        <a:xfrm>
+          <a:off x="0" y="0"/>
+          <a:ext cx="0" cy="0"/>
+          <a:chOff x="0" y="0"/>
+          <a:chExt cx="0" cy="0"/>
+        </a:xfrm>
+      </p:grpSpPr>
+      <p:sp>
+        <p:nvSpPr>
+          <p:cNvPr id="2" name="Title 1">
+            <a:extLst>
+              <a:ext uri="{FF2B5EF4-FFF2-40B4-BE49-F238E27FC236}">
+                <a16:creationId xmlns:a16="http://schemas.microsoft.com/office/drawing/2014/main" id="{0BA656BF-8100-F11D-1A69-A830A4576E47}"/>
+              </a:ext>
+            </a:extLst>
+          </p:cNvPr>
+          <p:cNvSpPr>
+            <a:spLocks noGrp="1"/>
+          </p:cNvSpPr>
+          <p:nvPr>
+            <p:ph type="title"/>
+          </p:nvPr>
+        </p:nvSpPr>
+        <p:spPr/>
+        <p:txBody>
+          <a:bodyPr/>
+          <a:lstStyle/>
+          <a:p>
+            <a:r>
+              <a:rPr lang="en-US" dirty="0"/>
+              <a:t>In sum</a:t>
+            </a:r>
+          </a:p>
+        </p:txBody>
+      </p:sp>
+      <p:sp>
+        <p:nvSpPr>
+          <p:cNvPr id="3" name="Content Placeholder 2">
+            <a:extLst>
+              <a:ext uri="{FF2B5EF4-FFF2-40B4-BE49-F238E27FC236}">
+                <a16:creationId xmlns:a16="http://schemas.microsoft.com/office/drawing/2014/main" id="{E05A76E3-E6AA-1AB1-A415-5AB03C7D59BC}"/>
+              </a:ext>
+            </a:extLst>
+          </p:cNvPr>
+          <p:cNvSpPr>
+            <a:spLocks noGrp="1"/>
+          </p:cNvSpPr>
+          <p:nvPr>
+            <p:ph idx="1"/>
+          </p:nvPr>
+        </p:nvSpPr>
+        <p:spPr/>
+        <p:txBody>
+          <a:bodyPr/>
+          <a:lstStyle/>
+          <a:p>
+            <a:r>
+              <a:rPr lang="en-US" dirty="0"/>
+              <a:t>Why Docker</a:t>
+            </a:r>
+          </a:p>
+          <a:p>
+            <a:r>
+              <a:rPr lang="en-US" dirty="0"/>
+              <a:t>What is a </a:t>
+            </a:r>
+            <a:r>
+              <a:rPr lang="en-US" dirty="0" err="1"/>
+              <a:t>Dockerfile</a:t>
+            </a:r>
+            <a:endParaRPr lang="en-US" dirty="0"/>
+          </a:p>
+          <a:p>
+            <a:r>
+              <a:rPr lang="en-US" dirty="0"/>
+              <a:t>How to build on the RIS</a:t>
+            </a:r>
+          </a:p>
+        </p:txBody>
+      </p:sp>
+    </p:spTree>
+    <p:extLst>
+      <p:ext uri="{BB962C8B-B14F-4D97-AF65-F5344CB8AC3E}">
+        <p14:creationId xmlns:p14="http://schemas.microsoft.com/office/powerpoint/2010/main" val="135299463"/>
+      </p:ext>
+    </p:extLst>
+  </p:cSld>
+  <p:clrMapOvr>
+    <a:masterClrMapping/>
+  </p:clrMapOvr>
+</p:sld>
+</file>
+
+<file path=ppt/slides/slide22.xml><?xml version="1.0" encoding="utf-8"?>
+<p:sld xmlns:a="http://schemas.openxmlformats.org/drawingml/2006/main" xmlns:r="http://schemas.openxmlformats.org/officeDocument/2006/relationships" xmlns:p="http://schemas.openxmlformats.org/presentationml/2006/main">
+  <p:cSld>
+    <p:spTree>
+      <p:nvGrpSpPr>
+        <p:cNvPr id="1" name=""/>
+        <p:cNvGrpSpPr/>
+        <p:nvPr/>
+      </p:nvGrpSpPr>
+      <p:grpSpPr>
+        <a:xfrm>
+          <a:off x="0" y="0"/>
+          <a:ext cx="0" cy="0"/>
+          <a:chOff x="0" y="0"/>
+          <a:chExt cx="0" cy="0"/>
+        </a:xfrm>
+      </p:grpSpPr>
+      <p:sp>
+        <p:nvSpPr>
+          <p:cNvPr id="2" name="Title 1">
+            <a:extLst>
+              <a:ext uri="{FF2B5EF4-FFF2-40B4-BE49-F238E27FC236}">
                 <a16:creationId xmlns:a16="http://schemas.microsoft.com/office/drawing/2014/main" id="{DCA50767-38E3-3C2F-C818-697B499F84E9}"/>
               </a:ext>
             </a:extLst>
@@ -6420,7 +6838,15 @@
           <a:p>
             <a:r>
               <a:rPr lang="en-US" dirty="0"/>
-              <a:t>Rehash on how Docker works?</a:t>
+              <a:t>Rehash on how Docker and </a:t>
+            </a:r>
+            <a:r>
+              <a:rPr lang="en-US" dirty="0" err="1"/>
+              <a:t>bsub</a:t>
+            </a:r>
+            <a:r>
+              <a:rPr lang="en-US" dirty="0"/>
+              <a:t> work?</a:t>
             </a:r>
           </a:p>
           <a:p>
